--- a/LAB_20200530_0_HandSignRecognition/process_of_machine_learning_for_LAB20200724_0/Colab_machine_learning(traditional_Chinese).pptx
+++ b/LAB_20200530_0_HandSignRecognition/process_of_machine_learning_for_LAB20200724_0/Colab_machine_learning(traditional_Chinese).pptx
@@ -1,19 +1,20 @@
 
 <file path=ppt/presentation.xml><?xml version="1.0" encoding="utf-8"?>
-<p:presentation xmlns:a="http://schemas.openxmlformats.org/drawingml/2006/main" xmlns:r="http://schemas.openxmlformats.org/officeDocument/2006/relationships" xmlns:p="http://schemas.openxmlformats.org/presentationml/2006/main" saveSubsetFonts="1">
+<p:presentation xmlns:a="http://schemas.openxmlformats.org/drawingml/2006/main" xmlns:r="http://schemas.openxmlformats.org/officeDocument/2006/relationships" xmlns:p="http://schemas.openxmlformats.org/presentationml/2006/main">
   <p:sldMasterIdLst>
-    <p:sldMasterId id="2147483660" r:id="rId1"/>
+    <p:sldMasterId id="2147483648" r:id="rId1"/>
   </p:sldMasterIdLst>
   <p:notesMasterIdLst>
-    <p:notesMasterId r:id="rId8"/>
+    <p:notesMasterId r:id="rId9"/>
   </p:notesMasterIdLst>
   <p:sldIdLst>
-    <p:sldId id="256" r:id="rId2"/>
-    <p:sldId id="257" r:id="rId3"/>
-    <p:sldId id="258" r:id="rId4"/>
-    <p:sldId id="259" r:id="rId5"/>
-    <p:sldId id="260" r:id="rId6"/>
-    <p:sldId id="261" r:id="rId7"/>
+    <p:sldId id="262" r:id="rId2"/>
+    <p:sldId id="256" r:id="rId3"/>
+    <p:sldId id="257" r:id="rId4"/>
+    <p:sldId id="258" r:id="rId5"/>
+    <p:sldId id="259" r:id="rId6"/>
+    <p:sldId id="260" r:id="rId7"/>
+    <p:sldId id="261" r:id="rId8"/>
   </p:sldIdLst>
   <p:sldSz cx="12192000" cy="6858000"/>
   <p:notesSz cx="6858000" cy="9144000"/>
@@ -202,7 +203,7 @@
           <a:p>
             <a:fld id="{E2DFA55E-36C0-4909-A479-2EFBA773A396}" type="datetimeFigureOut">
               <a:rPr lang="zh-TW" altLang="en-US" smtClean="0"/>
-              <a:t>2020/7/14</a:t>
+              <a:t>2020/7/28</a:t>
             </a:fld>
             <a:endParaRPr lang="zh-TW" altLang="en-US"/>
           </a:p>
@@ -266,38 +267,37 @@
           <a:p>
             <a:pPr lvl="0"/>
             <a:r>
-              <a:rPr lang="zh-TW" altLang="en-US" smtClean="0"/>
+              <a:rPr lang="zh-TW" altLang="en-US"/>
               <a:t>按一下以編輯母片文字樣式</a:t>
             </a:r>
           </a:p>
           <a:p>
             <a:pPr lvl="1"/>
             <a:r>
-              <a:rPr lang="zh-TW" altLang="en-US" smtClean="0"/>
+              <a:rPr lang="zh-TW" altLang="en-US"/>
               <a:t>第二層</a:t>
             </a:r>
           </a:p>
           <a:p>
             <a:pPr lvl="2"/>
             <a:r>
-              <a:rPr lang="zh-TW" altLang="en-US" smtClean="0"/>
+              <a:rPr lang="zh-TW" altLang="en-US"/>
               <a:t>第三層</a:t>
             </a:r>
           </a:p>
           <a:p>
             <a:pPr lvl="3"/>
             <a:r>
-              <a:rPr lang="zh-TW" altLang="en-US" smtClean="0"/>
+              <a:rPr lang="zh-TW" altLang="en-US"/>
               <a:t>第四層</a:t>
             </a:r>
           </a:p>
           <a:p>
             <a:pPr lvl="4"/>
             <a:r>
-              <a:rPr lang="zh-TW" altLang="en-US" smtClean="0"/>
+              <a:rPr lang="zh-TW" altLang="en-US"/>
               <a:t>第五層</a:t>
             </a:r>
-            <a:endParaRPr lang="zh-TW" altLang="en-US"/>
           </a:p>
         </p:txBody>
       </p:sp>
@@ -368,11 +368,6 @@
         </p:txBody>
       </p:sp>
     </p:spTree>
-    <p:extLst>
-      <p:ext uri="{BB962C8B-B14F-4D97-AF65-F5344CB8AC3E}">
-        <p14:creationId xmlns:p14="http://schemas.microsoft.com/office/powerpoint/2010/main" val="1681935824"/>
-      </p:ext>
-    </p:extLst>
   </p:cSld>
   <p:clrMap bg1="lt1" tx1="dk1" bg2="lt2" tx2="dk2" accent1="accent1" accent2="accent2" accent3="accent3" accent4="accent4" accent5="accent5" accent6="accent6" hlink="hlink" folHlink="folHlink"/>
   <p:notesStyle>
@@ -489,7 +484,7 @@
       </p:grpSpPr>
       <p:sp>
         <p:nvSpPr>
-          <p:cNvPr id="2" name="投影片圖像版面配置區 1"/>
+          <p:cNvPr id="2" name="投影片影像版面配置區 1"/>
           <p:cNvSpPr>
             <a:spLocks noGrp="1" noRot="1" noChangeAspect="1"/>
           </p:cNvSpPr>
@@ -515,9 +510,21 @@
           <a:lstStyle/>
           <a:p>
             <a:r>
-              <a:rPr lang="en-US" altLang="zh-TW" dirty="0" smtClean="0"/>
-              <a:t>E</a:t>
-            </a:r>
+              <a:rPr lang="en-US" altLang="zh-TW" sz="1200" b="0" i="0" u="sng" kern="1200">
+                <a:solidFill>
+                  <a:schemeClr val="tx1"/>
+                </a:solidFill>
+                <a:effectLst/>
+                <a:latin typeface="+mn-lt"/>
+                <a:ea typeface="+mn-ea"/>
+                <a:cs typeface="+mn-cs"/>
+                <a:hlinkClick r:id="rId3"/>
+              </a:rPr>
+              <a:t>Based on 0ac4dd9</a:t>
+            </a:r>
+            <a:br>
+              <a:rPr lang="en-US" altLang="zh-TW"/>
+            </a:br>
             <a:endParaRPr lang="zh-TW" altLang="en-US" dirty="0"/>
           </a:p>
         </p:txBody>
@@ -529,7 +536,7 @@
             <a:spLocks noGrp="1"/>
           </p:cNvSpPr>
           <p:nvPr>
-            <p:ph type="sldNum" sz="quarter" idx="10"/>
+            <p:ph type="sldNum" sz="quarter" idx="5"/>
           </p:nvPr>
         </p:nvSpPr>
         <p:spPr/>
@@ -539,7 +546,7 @@
           <a:p>
             <a:fld id="{CBB7FF04-9404-4CFC-B41F-0B375F5969C1}" type="slidenum">
               <a:rPr lang="zh-TW" altLang="en-US" smtClean="0"/>
-              <a:t>3</a:t>
+              <a:t>1</a:t>
             </a:fld>
             <a:endParaRPr lang="zh-TW" altLang="en-US"/>
           </a:p>
@@ -548,7 +555,7 @@
     </p:spTree>
     <p:extLst>
       <p:ext uri="{BB962C8B-B14F-4D97-AF65-F5344CB8AC3E}">
-        <p14:creationId xmlns:p14="http://schemas.microsoft.com/office/powerpoint/2010/main" val="291655869"/>
+        <p14:creationId xmlns:p14="http://schemas.microsoft.com/office/powerpoint/2010/main" val="2357497742"/>
       </p:ext>
     </p:extLst>
   </p:cSld>
@@ -602,6 +609,89 @@
           <a:bodyPr/>
           <a:lstStyle/>
           <a:p>
+            <a:r>
+              <a:rPr lang="en-US" altLang="zh-TW" dirty="0"/>
+              <a:t>E</a:t>
+            </a:r>
+            <a:endParaRPr lang="zh-TW" altLang="en-US" dirty="0"/>
+          </a:p>
+        </p:txBody>
+      </p:sp>
+      <p:sp>
+        <p:nvSpPr>
+          <p:cNvPr id="4" name="投影片編號版面配置區 3"/>
+          <p:cNvSpPr>
+            <a:spLocks noGrp="1"/>
+          </p:cNvSpPr>
+          <p:nvPr>
+            <p:ph type="sldNum" sz="quarter" idx="10"/>
+          </p:nvPr>
+        </p:nvSpPr>
+        <p:spPr/>
+        <p:txBody>
+          <a:bodyPr/>
+          <a:lstStyle/>
+          <a:p>
+            <a:fld id="{CBB7FF04-9404-4CFC-B41F-0B375F5969C1}" type="slidenum">
+              <a:rPr lang="zh-TW" altLang="en-US" smtClean="0"/>
+              <a:t>4</a:t>
+            </a:fld>
+            <a:endParaRPr lang="zh-TW" altLang="en-US"/>
+          </a:p>
+        </p:txBody>
+      </p:sp>
+    </p:spTree>
+  </p:cSld>
+  <p:clrMapOvr>
+    <a:masterClrMapping/>
+  </p:clrMapOvr>
+</p:notes>
+</file>
+
+<file path=ppt/notesSlides/notesSlide3.xml><?xml version="1.0" encoding="utf-8"?>
+<p:notes xmlns:a="http://schemas.openxmlformats.org/drawingml/2006/main" xmlns:r="http://schemas.openxmlformats.org/officeDocument/2006/relationships" xmlns:p="http://schemas.openxmlformats.org/presentationml/2006/main">
+  <p:cSld>
+    <p:spTree>
+      <p:nvGrpSpPr>
+        <p:cNvPr id="1" name=""/>
+        <p:cNvGrpSpPr/>
+        <p:nvPr/>
+      </p:nvGrpSpPr>
+      <p:grpSpPr>
+        <a:xfrm>
+          <a:off x="0" y="0"/>
+          <a:ext cx="0" cy="0"/>
+          <a:chOff x="0" y="0"/>
+          <a:chExt cx="0" cy="0"/>
+        </a:xfrm>
+      </p:grpSpPr>
+      <p:sp>
+        <p:nvSpPr>
+          <p:cNvPr id="2" name="投影片圖像版面配置區 1"/>
+          <p:cNvSpPr>
+            <a:spLocks noGrp="1" noRot="1" noChangeAspect="1"/>
+          </p:cNvSpPr>
+          <p:nvPr>
+            <p:ph type="sldImg"/>
+          </p:nvPr>
+        </p:nvSpPr>
+        <p:spPr/>
+      </p:sp>
+      <p:sp>
+        <p:nvSpPr>
+          <p:cNvPr id="3" name="備忘稿版面配置區 2"/>
+          <p:cNvSpPr>
+            <a:spLocks noGrp="1"/>
+          </p:cNvSpPr>
+          <p:nvPr>
+            <p:ph type="body" idx="1"/>
+          </p:nvPr>
+        </p:nvSpPr>
+        <p:spPr/>
+        <p:txBody>
+          <a:bodyPr/>
+          <a:lstStyle/>
+          <a:p>
             <a:pPr marL="0" marR="0" lvl="0" indent="0" algn="l" defTabSz="914400" rtl="0" eaLnBrk="1" fontAlgn="auto" latinLnBrk="0" hangingPunct="1">
               <a:lnSpc>
                 <a:spcPct val="100000"/>
@@ -616,11 +706,10 @@
               <a:buSzTx/>
               <a:buFontTx/>
               <a:buNone/>
-              <a:tabLst/>
               <a:defRPr/>
             </a:pPr>
             <a:r>
-              <a:rPr lang="en-US" altLang="zh-TW" sz="1200" b="0" kern="1200" dirty="0" smtClean="0">
+              <a:rPr lang="en-US" altLang="zh-TW" sz="1200" b="0" kern="1200" dirty="0">
                 <a:solidFill>
                   <a:schemeClr val="accent2">
                     <a:lumMod val="50000"/>
@@ -634,7 +723,7 @@
               <a:t>!</a:t>
             </a:r>
             <a:r>
-              <a:rPr lang="en-US" altLang="zh-TW" sz="1200" b="0" kern="1200" dirty="0" err="1" smtClean="0">
+              <a:rPr lang="en-US" altLang="zh-TW" sz="1200" b="0" kern="1200" dirty="0" err="1">
                 <a:solidFill>
                   <a:schemeClr val="accent2">
                     <a:lumMod val="50000"/>
@@ -648,7 +737,7 @@
               <a:t>mkdir</a:t>
             </a:r>
             <a:r>
-              <a:rPr lang="en-US" altLang="zh-TW" sz="1200" b="0" kern="1200" dirty="0" smtClean="0">
+              <a:rPr lang="en-US" altLang="zh-TW" sz="1200" b="0" kern="1200" dirty="0">
                 <a:solidFill>
                   <a:schemeClr val="accent2">
                     <a:lumMod val="50000"/>
@@ -662,7 +751,7 @@
               <a:t> </a:t>
             </a:r>
             <a:r>
-              <a:rPr lang="en-US" altLang="zh-TW" sz="1200" b="0" kern="1200" dirty="0" err="1" smtClean="0">
+              <a:rPr lang="en-US" altLang="zh-TW" sz="1200" b="0" kern="1200" dirty="0" err="1">
                 <a:solidFill>
                   <a:schemeClr val="accent2">
                     <a:lumMod val="50000"/>
@@ -676,7 +765,7 @@
               <a:t>GestureVOC</a:t>
             </a:r>
             <a:r>
-              <a:rPr lang="en-US" altLang="zh-TW" sz="1200" b="0" kern="1200" baseline="0" dirty="0" smtClean="0">
+              <a:rPr lang="en-US" altLang="zh-TW" sz="1200" b="0" kern="1200" baseline="0" dirty="0">
                 <a:solidFill>
                   <a:schemeClr val="accent2">
                     <a:lumMod val="50000"/>
@@ -690,7 +779,7 @@
               <a:t> </a:t>
             </a:r>
             <a:r>
-              <a:rPr lang="en-US" altLang="zh-TW" sz="1200" b="0" kern="1200" baseline="0" dirty="0" smtClean="0">
+              <a:rPr lang="en-US" altLang="zh-TW" sz="1200" b="0" kern="1200" baseline="0" dirty="0">
                 <a:solidFill>
                   <a:schemeClr val="tx1"/>
                 </a:solidFill>
@@ -702,7 +791,7 @@
               <a:t>: </a:t>
             </a:r>
             <a:r>
-              <a:rPr lang="zh-TW" altLang="en-US" sz="1200" b="0" kern="1200" baseline="0" dirty="0" smtClean="0">
+              <a:rPr lang="zh-TW" altLang="en-US" sz="1200" b="0" kern="1200" baseline="0" dirty="0">
                 <a:solidFill>
                   <a:schemeClr val="tx1"/>
                 </a:solidFill>
@@ -714,7 +803,7 @@
               <a:t>建立手勢</a:t>
             </a:r>
             <a:r>
-              <a:rPr lang="zh-TW" altLang="en-US" sz="1200" b="0" kern="1200" baseline="0" smtClean="0">
+              <a:rPr lang="zh-TW" altLang="en-US" sz="1200" b="0" kern="1200" baseline="0">
                 <a:solidFill>
                   <a:schemeClr val="tx1"/>
                 </a:solidFill>
@@ -725,7 +814,7 @@
               </a:rPr>
               <a:t>樣本檔案存放的資料夾</a:t>
             </a:r>
-            <a:endParaRPr lang="en-US" altLang="zh-TW" sz="1200" b="0" kern="1200" baseline="0" dirty="0" smtClean="0">
+            <a:endParaRPr lang="en-US" altLang="zh-TW" sz="1200" b="0" kern="1200" baseline="0" dirty="0">
               <a:solidFill>
                 <a:schemeClr val="tx1"/>
               </a:solidFill>
@@ -750,10 +839,9 @@
               <a:buSzTx/>
               <a:buFontTx/>
               <a:buNone/>
-              <a:tabLst/>
               <a:defRPr/>
             </a:pPr>
-            <a:endParaRPr lang="en-US" altLang="zh-TW" sz="1200" b="0" kern="1200" dirty="0" smtClean="0">
+            <a:endParaRPr lang="en-US" altLang="zh-TW" sz="1200" b="0" kern="1200" dirty="0">
               <a:solidFill>
                 <a:schemeClr val="tx1"/>
               </a:solidFill>
@@ -778,11 +866,10 @@
               <a:buSzTx/>
               <a:buFontTx/>
               <a:buNone/>
-              <a:tabLst/>
               <a:defRPr/>
             </a:pPr>
             <a:r>
-              <a:rPr lang="en-US" altLang="zh-TW" sz="1200" b="0" kern="1200" dirty="0" smtClean="0">
+              <a:rPr lang="en-US" altLang="zh-TW" sz="1200" b="0" kern="1200" dirty="0">
                 <a:solidFill>
                   <a:schemeClr val="tx1"/>
                 </a:solidFill>
@@ -794,7 +881,7 @@
               <a:t>!</a:t>
             </a:r>
             <a:r>
-              <a:rPr lang="en-US" altLang="zh-TW" sz="1200" b="0" kern="1200" dirty="0" err="1" smtClean="0">
+              <a:rPr lang="en-US" altLang="zh-TW" sz="1200" b="0" kern="1200" dirty="0" err="1">
                 <a:solidFill>
                   <a:schemeClr val="tx1"/>
                 </a:solidFill>
@@ -806,7 +893,7 @@
               <a:t>cp</a:t>
             </a:r>
             <a:r>
-              <a:rPr lang="en-US" altLang="zh-TW" sz="1200" b="0" kern="1200" dirty="0" smtClean="0">
+              <a:rPr lang="en-US" altLang="zh-TW" sz="1200" b="0" kern="1200" dirty="0">
                 <a:solidFill>
                   <a:schemeClr val="tx1"/>
                 </a:solidFill>
@@ -818,7 +905,7 @@
               <a:t> -R “drive/My Drive/</a:t>
             </a:r>
             <a:r>
-              <a:rPr lang="en-US" altLang="zh-TW" sz="1200" b="0" kern="1200" dirty="0" err="1" smtClean="0">
+              <a:rPr lang="en-US" altLang="zh-TW" sz="1200" b="0" kern="1200" dirty="0" err="1">
                 <a:solidFill>
                   <a:schemeClr val="tx1"/>
                 </a:solidFill>
@@ -830,7 +917,7 @@
               <a:t>Vsigns_samples_Jul</a:t>
             </a:r>
             <a:r>
-              <a:rPr lang="en-US" altLang="zh-TW" sz="1200" b="0" kern="1200" dirty="0" smtClean="0">
+              <a:rPr lang="en-US" altLang="zh-TW" sz="1200" b="0" kern="1200" dirty="0">
                 <a:solidFill>
                   <a:schemeClr val="tx1"/>
                 </a:solidFill>
@@ -842,7 +929,7 @@
               <a:t>/train” “/content/</a:t>
             </a:r>
             <a:r>
-              <a:rPr lang="en-US" altLang="zh-TW" sz="1200" b="0" kern="1200" dirty="0" err="1" smtClean="0">
+              <a:rPr lang="en-US" altLang="zh-TW" sz="1200" b="0" kern="1200" dirty="0" err="1">
                 <a:solidFill>
                   <a:schemeClr val="tx1"/>
                 </a:solidFill>
@@ -854,7 +941,7 @@
               <a:t>GestureVOC</a:t>
             </a:r>
             <a:r>
-              <a:rPr lang="en-US" altLang="zh-TW" sz="1200" b="0" kern="1200" dirty="0" smtClean="0">
+              <a:rPr lang="en-US" altLang="zh-TW" sz="1200" b="0" kern="1200" dirty="0">
                 <a:solidFill>
                   <a:schemeClr val="tx1"/>
                 </a:solidFill>
@@ -866,7 +953,7 @@
               <a:t>”</a:t>
             </a:r>
             <a:r>
-              <a:rPr lang="zh-TW" altLang="en-US" sz="1200" b="0" kern="1200" dirty="0" smtClean="0">
+              <a:rPr lang="zh-TW" altLang="en-US" sz="1200" b="0" kern="1200" dirty="0">
                 <a:solidFill>
                   <a:schemeClr val="tx1"/>
                 </a:solidFill>
@@ -878,7 +965,7 @@
               <a:t> </a:t>
             </a:r>
             <a:r>
-              <a:rPr lang="en-US" altLang="zh-TW" sz="1200" b="0" kern="1200" dirty="0" smtClean="0">
+              <a:rPr lang="en-US" altLang="zh-TW" sz="1200" b="0" kern="1200" dirty="0">
                 <a:solidFill>
                   <a:schemeClr val="tx1"/>
                 </a:solidFill>
@@ -890,7 +977,7 @@
               <a:t>:</a:t>
             </a:r>
             <a:r>
-              <a:rPr lang="zh-TW" altLang="en-US" sz="1200" b="0" kern="1200" dirty="0" smtClean="0">
+              <a:rPr lang="zh-TW" altLang="en-US" sz="1200" b="0" kern="1200" dirty="0">
                 <a:solidFill>
                   <a:schemeClr val="tx1"/>
                 </a:solidFill>
@@ -902,7 +989,7 @@
               <a:t> 將 </a:t>
             </a:r>
             <a:r>
-              <a:rPr lang="en-US" altLang="zh-TW" sz="1200" b="0" kern="1200" dirty="0" smtClean="0">
+              <a:rPr lang="en-US" altLang="zh-TW" sz="1200" b="0" kern="1200" dirty="0">
                 <a:solidFill>
                   <a:schemeClr val="tx1"/>
                 </a:solidFill>
@@ -914,7 +1001,7 @@
               <a:t> “drive/My Drive/</a:t>
             </a:r>
             <a:r>
-              <a:rPr lang="en-US" altLang="zh-TW" sz="1200" b="0" kern="1200" dirty="0" err="1" smtClean="0">
+              <a:rPr lang="en-US" altLang="zh-TW" sz="1200" b="0" kern="1200" dirty="0" err="1">
                 <a:solidFill>
                   <a:schemeClr val="tx1"/>
                 </a:solidFill>
@@ -926,7 +1013,7 @@
               <a:t>Vsigns_samples_Jul</a:t>
             </a:r>
             <a:r>
-              <a:rPr lang="en-US" altLang="zh-TW" sz="1200" b="0" kern="1200" dirty="0" smtClean="0">
+              <a:rPr lang="en-US" altLang="zh-TW" sz="1200" b="0" kern="1200" dirty="0">
                 <a:solidFill>
                   <a:schemeClr val="tx1"/>
                 </a:solidFill>
@@ -938,7 +1025,7 @@
               <a:t>/train”</a:t>
             </a:r>
             <a:r>
-              <a:rPr lang="zh-TW" altLang="en-US" sz="1200" b="0" kern="1200" dirty="0" smtClean="0">
+              <a:rPr lang="zh-TW" altLang="en-US" sz="1200" b="0" kern="1200" dirty="0">
                 <a:solidFill>
                   <a:schemeClr val="tx1"/>
                 </a:solidFill>
@@ -950,7 +1037,7 @@
               <a:t>檔案全數拷貝至</a:t>
             </a:r>
             <a:r>
-              <a:rPr lang="en-US" altLang="zh-TW" sz="1200" b="0" kern="1200" dirty="0" smtClean="0">
+              <a:rPr lang="en-US" altLang="zh-TW" sz="1200" b="0" kern="1200" dirty="0">
                 <a:solidFill>
                   <a:schemeClr val="tx1"/>
                 </a:solidFill>
@@ -962,7 +1049,7 @@
               <a:t> “/content/</a:t>
             </a:r>
             <a:r>
-              <a:rPr lang="en-US" altLang="zh-TW" sz="1200" b="0" kern="1200" dirty="0" err="1" smtClean="0">
+              <a:rPr lang="en-US" altLang="zh-TW" sz="1200" b="0" kern="1200" dirty="0" err="1">
                 <a:solidFill>
                   <a:schemeClr val="tx1"/>
                 </a:solidFill>
@@ -974,7 +1061,7 @@
               <a:t>GestureVOC</a:t>
             </a:r>
             <a:r>
-              <a:rPr lang="en-US" altLang="zh-TW" sz="1200" b="0" kern="1200" dirty="0" smtClean="0">
+              <a:rPr lang="en-US" altLang="zh-TW" sz="1200" b="0" kern="1200" dirty="0">
                 <a:solidFill>
                   <a:schemeClr val="tx1"/>
                 </a:solidFill>
@@ -986,7 +1073,7 @@
               <a:t>”</a:t>
             </a:r>
             <a:r>
-              <a:rPr lang="zh-TW" altLang="en-US" sz="1200" b="0" kern="1200" dirty="0" smtClean="0">
+              <a:rPr lang="zh-TW" altLang="en-US" sz="1200" b="0" kern="1200" dirty="0">
                 <a:solidFill>
                   <a:schemeClr val="tx1"/>
                 </a:solidFill>
@@ -997,7 +1084,7 @@
               </a:rPr>
               <a:t> 中</a:t>
             </a:r>
-            <a:endParaRPr lang="en-US" altLang="zh-TW" sz="1200" b="0" kern="1200" dirty="0" smtClean="0">
+            <a:endParaRPr lang="en-US" altLang="zh-TW" sz="1200" b="0" kern="1200" dirty="0">
               <a:solidFill>
                 <a:schemeClr val="tx1"/>
               </a:solidFill>
@@ -1022,10 +1109,9 @@
               <a:buSzTx/>
               <a:buFontTx/>
               <a:buNone/>
-              <a:tabLst/>
               <a:defRPr/>
             </a:pPr>
-            <a:endParaRPr lang="en-US" altLang="zh-TW" sz="1200" b="0" kern="1200" dirty="0" smtClean="0">
+            <a:endParaRPr lang="en-US" altLang="zh-TW" sz="1200" b="0" kern="1200" dirty="0">
               <a:solidFill>
                 <a:schemeClr val="tx1"/>
               </a:solidFill>
@@ -1050,11 +1136,10 @@
               <a:buSzTx/>
               <a:buFontTx/>
               <a:buNone/>
-              <a:tabLst/>
               <a:defRPr/>
             </a:pPr>
             <a:r>
-              <a:rPr lang="en-US" altLang="zh-TW" sz="1200" b="0" kern="1200" dirty="0" smtClean="0">
+              <a:rPr lang="en-US" altLang="zh-TW" sz="1200" b="0" kern="1200" dirty="0">
                 <a:solidFill>
                   <a:schemeClr val="tx1"/>
                 </a:solidFill>
@@ -1066,7 +1151,7 @@
               <a:t>!ls “</a:t>
             </a:r>
             <a:r>
-              <a:rPr lang="en-US" altLang="zh-TW" sz="1200" b="0" kern="1200" dirty="0" err="1" smtClean="0">
+              <a:rPr lang="en-US" altLang="zh-TW" sz="1200" b="0" kern="1200" dirty="0" err="1">
                 <a:solidFill>
                   <a:schemeClr val="tx1"/>
                 </a:solidFill>
@@ -1078,7 +1163,7 @@
               <a:t>GestureVOC</a:t>
             </a:r>
             <a:r>
-              <a:rPr lang="en-US" altLang="zh-TW" sz="1200" b="0" kern="1200" dirty="0" smtClean="0">
+              <a:rPr lang="en-US" altLang="zh-TW" sz="1200" b="0" kern="1200" dirty="0">
                 <a:solidFill>
                   <a:schemeClr val="tx1"/>
                 </a:solidFill>
@@ -1090,7 +1175,7 @@
               <a:t>/train/images”</a:t>
             </a:r>
             <a:r>
-              <a:rPr lang="zh-TW" altLang="en-US" sz="1200" b="0" kern="1200" dirty="0" smtClean="0">
+              <a:rPr lang="zh-TW" altLang="en-US" sz="1200" b="0" kern="1200" dirty="0">
                 <a:solidFill>
                   <a:schemeClr val="tx1"/>
                 </a:solidFill>
@@ -1102,7 +1187,7 @@
               <a:t> </a:t>
             </a:r>
             <a:r>
-              <a:rPr lang="en-US" altLang="zh-TW" sz="1200" b="0" kern="1200" dirty="0" smtClean="0">
+              <a:rPr lang="en-US" altLang="zh-TW" sz="1200" b="0" kern="1200" dirty="0">
                 <a:solidFill>
                   <a:schemeClr val="tx1"/>
                 </a:solidFill>
@@ -1114,7 +1199,7 @@
               <a:t>:</a:t>
             </a:r>
             <a:r>
-              <a:rPr lang="zh-TW" altLang="en-US" sz="1200" b="0" kern="1200" dirty="0" smtClean="0">
+              <a:rPr lang="zh-TW" altLang="en-US" sz="1200" b="0" kern="1200" dirty="0">
                 <a:solidFill>
                   <a:schemeClr val="tx1"/>
                 </a:solidFill>
@@ -1125,7 +1210,7 @@
               </a:rPr>
               <a:t> 將此資料夾中的所有檔案全數條列出來</a:t>
             </a:r>
-            <a:endParaRPr lang="en-US" altLang="zh-TW" sz="1200" b="0" kern="1200" dirty="0" smtClean="0">
+            <a:endParaRPr lang="en-US" altLang="zh-TW" sz="1200" b="0" kern="1200" dirty="0">
               <a:solidFill>
                 <a:schemeClr val="tx1"/>
               </a:solidFill>
@@ -1150,10 +1235,9 @@
               <a:buSzTx/>
               <a:buFontTx/>
               <a:buNone/>
-              <a:tabLst/>
               <a:defRPr/>
             </a:pPr>
-            <a:endParaRPr lang="en-US" altLang="zh-TW" sz="1200" b="0" kern="1200" dirty="0" smtClean="0">
+            <a:endParaRPr lang="en-US" altLang="zh-TW" sz="1200" b="0" kern="1200" dirty="0">
               <a:solidFill>
                 <a:schemeClr val="tx1"/>
               </a:solidFill>
@@ -1185,18 +1269,13 @@
           <a:p>
             <a:fld id="{CBB7FF04-9404-4CFC-B41F-0B375F5969C1}" type="slidenum">
               <a:rPr lang="zh-TW" altLang="en-US" smtClean="0"/>
-              <a:t>6</a:t>
+              <a:t>7</a:t>
             </a:fld>
             <a:endParaRPr lang="zh-TW" altLang="en-US"/>
           </a:p>
         </p:txBody>
       </p:sp>
     </p:spTree>
-    <p:extLst>
-      <p:ext uri="{BB962C8B-B14F-4D97-AF65-F5344CB8AC3E}">
-        <p14:creationId xmlns:p14="http://schemas.microsoft.com/office/powerpoint/2010/main" val="245175446"/>
-      </p:ext>
-    </p:extLst>
   </p:cSld>
   <p:clrMapOvr>
     <a:masterClrMapping/>
@@ -1782,7 +1861,7 @@
           </a:lstStyle>
           <a:p>
             <a:r>
-              <a:rPr lang="zh-TW" altLang="en-US" smtClean="0"/>
+              <a:rPr lang="zh-TW" altLang="en-US"/>
               <a:t>按一下以編輯母片標題樣式</a:t>
             </a:r>
             <a:endParaRPr lang="en-US" dirty="0"/>
@@ -1902,7 +1981,7 @@
           </a:lstStyle>
           <a:p>
             <a:r>
-              <a:rPr lang="zh-TW" altLang="en-US" smtClean="0"/>
+              <a:rPr lang="zh-TW" altLang="en-US"/>
               <a:t>按一下以編輯母片副標題樣式</a:t>
             </a:r>
             <a:endParaRPr lang="en-US" dirty="0"/>
@@ -1926,7 +2005,7 @@
           <a:p>
             <a:fld id="{0EB6FA98-8E9D-432F-B336-42DA5796D76D}" type="datetimeFigureOut">
               <a:rPr lang="zh-TW" altLang="en-US" smtClean="0"/>
-              <a:t>2020/7/14</a:t>
+              <a:t>2020/7/28</a:t>
             </a:fld>
             <a:endParaRPr lang="zh-TW" altLang="en-US"/>
           </a:p>
@@ -1975,11 +2054,6 @@
         </p:txBody>
       </p:sp>
     </p:spTree>
-    <p:extLst>
-      <p:ext uri="{BB962C8B-B14F-4D97-AF65-F5344CB8AC3E}">
-        <p14:creationId xmlns:p14="http://schemas.microsoft.com/office/powerpoint/2010/main" val="3473106048"/>
-      </p:ext>
-    </p:extLst>
   </p:cSld>
   <p:clrMapOvr>
     <a:masterClrMapping/>
@@ -2031,7 +2105,7 @@
           </a:lstStyle>
           <a:p>
             <a:r>
-              <a:rPr lang="zh-TW" altLang="en-US" smtClean="0"/>
+              <a:rPr lang="zh-TW" altLang="en-US"/>
               <a:t>按一下以編輯母片標題樣式</a:t>
             </a:r>
             <a:endParaRPr lang="en-US" dirty="0"/>
@@ -2154,7 +2228,7 @@
           <a:p>
             <a:pPr lvl="0"/>
             <a:r>
-              <a:rPr lang="zh-TW" altLang="en-US" smtClean="0"/>
+              <a:rPr lang="zh-TW" altLang="en-US"/>
               <a:t>按一下以編輯母片文字樣式</a:t>
             </a:r>
           </a:p>
@@ -2177,7 +2251,7 @@
           <a:p>
             <a:fld id="{0EB6FA98-8E9D-432F-B336-42DA5796D76D}" type="datetimeFigureOut">
               <a:rPr lang="zh-TW" altLang="en-US" smtClean="0"/>
-              <a:t>2020/7/14</a:t>
+              <a:t>2020/7/28</a:t>
             </a:fld>
             <a:endParaRPr lang="zh-TW" altLang="en-US"/>
           </a:p>
@@ -2226,11 +2300,6 @@
         </p:txBody>
       </p:sp>
     </p:spTree>
-    <p:extLst>
-      <p:ext uri="{BB962C8B-B14F-4D97-AF65-F5344CB8AC3E}">
-        <p14:creationId xmlns:p14="http://schemas.microsoft.com/office/powerpoint/2010/main" val="3698848264"/>
-      </p:ext>
-    </p:extLst>
   </p:cSld>
   <p:clrMapOvr>
     <a:masterClrMapping/>
@@ -2282,7 +2351,7 @@
           </a:lstStyle>
           <a:p>
             <a:r>
-              <a:rPr lang="zh-TW" altLang="en-US" smtClean="0"/>
+              <a:rPr lang="zh-TW" altLang="en-US"/>
               <a:t>按一下以編輯母片標題樣式</a:t>
             </a:r>
             <a:endParaRPr lang="en-US" dirty="0"/>
@@ -2346,7 +2415,7 @@
           <a:p>
             <a:pPr lvl="0"/>
             <a:r>
-              <a:rPr lang="zh-TW" altLang="en-US" smtClean="0"/>
+              <a:rPr lang="zh-TW" altLang="en-US"/>
               <a:t>按一下以編輯母片文字樣式</a:t>
             </a:r>
           </a:p>
@@ -2468,7 +2537,7 @@
           <a:p>
             <a:pPr lvl="0"/>
             <a:r>
-              <a:rPr lang="zh-TW" altLang="en-US" smtClean="0"/>
+              <a:rPr lang="zh-TW" altLang="en-US"/>
               <a:t>按一下以編輯母片文字樣式</a:t>
             </a:r>
           </a:p>
@@ -2491,7 +2560,7 @@
           <a:p>
             <a:fld id="{0EB6FA98-8E9D-432F-B336-42DA5796D76D}" type="datetimeFigureOut">
               <a:rPr lang="zh-TW" altLang="en-US" smtClean="0"/>
-              <a:t>2020/7/14</a:t>
+              <a:t>2020/7/28</a:t>
             </a:fld>
             <a:endParaRPr lang="zh-TW" altLang="en-US"/>
           </a:p>
@@ -2573,7 +2642,7 @@
                   </a:schemeClr>
                 </a:solidFill>
                 <a:effectLst/>
-                <a:latin typeface="Arial"/>
+                <a:latin typeface="Arial" panose="020B0604020202020204"/>
               </a:rPr>
               <a:t>“</a:t>
             </a:r>
@@ -2613,7 +2682,7 @@
                     <a:lumOff val="40000"/>
                   </a:schemeClr>
                 </a:solidFill>
-                <a:latin typeface="Arial"/>
+                <a:latin typeface="Arial" panose="020B0604020202020204"/>
               </a:rPr>
               <a:t>”</a:t>
             </a:r>
@@ -2624,17 +2693,12 @@
                   <a:lumOff val="40000"/>
                 </a:schemeClr>
               </a:solidFill>
-              <a:latin typeface="Arial"/>
+              <a:latin typeface="Arial" panose="020B0604020202020204"/>
             </a:endParaRPr>
           </a:p>
         </p:txBody>
       </p:sp>
     </p:spTree>
-    <p:extLst>
-      <p:ext uri="{BB962C8B-B14F-4D97-AF65-F5344CB8AC3E}">
-        <p14:creationId xmlns:p14="http://schemas.microsoft.com/office/powerpoint/2010/main" val="2668115978"/>
-      </p:ext>
-    </p:extLst>
   </p:cSld>
   <p:clrMapOvr>
     <a:masterClrMapping/>
@@ -2686,7 +2750,7 @@
           </a:lstStyle>
           <a:p>
             <a:r>
-              <a:rPr lang="zh-TW" altLang="en-US" smtClean="0"/>
+              <a:rPr lang="zh-TW" altLang="en-US"/>
               <a:t>按一下以編輯母片標題樣式</a:t>
             </a:r>
             <a:endParaRPr lang="en-US" dirty="0"/>
@@ -2809,7 +2873,7 @@
           <a:p>
             <a:pPr lvl="0"/>
             <a:r>
-              <a:rPr lang="zh-TW" altLang="en-US" smtClean="0"/>
+              <a:rPr lang="zh-TW" altLang="en-US"/>
               <a:t>按一下以編輯母片文字樣式</a:t>
             </a:r>
           </a:p>
@@ -2832,7 +2896,7 @@
           <a:p>
             <a:fld id="{0EB6FA98-8E9D-432F-B336-42DA5796D76D}" type="datetimeFigureOut">
               <a:rPr lang="zh-TW" altLang="en-US" smtClean="0"/>
-              <a:t>2020/7/14</a:t>
+              <a:t>2020/7/28</a:t>
             </a:fld>
             <a:endParaRPr lang="zh-TW" altLang="en-US"/>
           </a:p>
@@ -2881,11 +2945,6 @@
         </p:txBody>
       </p:sp>
     </p:spTree>
-    <p:extLst>
-      <p:ext uri="{BB962C8B-B14F-4D97-AF65-F5344CB8AC3E}">
-        <p14:creationId xmlns:p14="http://schemas.microsoft.com/office/powerpoint/2010/main" val="2562463293"/>
-      </p:ext>
-    </p:extLst>
   </p:cSld>
   <p:clrMapOvr>
     <a:masterClrMapping/>
@@ -2937,7 +2996,7 @@
           </a:lstStyle>
           <a:p>
             <a:r>
-              <a:rPr lang="zh-TW" altLang="en-US" smtClean="0"/>
+              <a:rPr lang="zh-TW" altLang="en-US"/>
               <a:t>按一下以編輯母片標題樣式</a:t>
             </a:r>
             <a:endParaRPr lang="en-US" dirty="0"/>
@@ -3001,7 +3060,7 @@
           <a:p>
             <a:pPr lvl="0"/>
             <a:r>
-              <a:rPr lang="zh-TW" altLang="en-US" smtClean="0"/>
+              <a:rPr lang="zh-TW" altLang="en-US"/>
               <a:t>按一下以編輯母片文字樣式</a:t>
             </a:r>
           </a:p>
@@ -3123,7 +3182,7 @@
           <a:p>
             <a:pPr lvl="0"/>
             <a:r>
-              <a:rPr lang="zh-TW" altLang="en-US" smtClean="0"/>
+              <a:rPr lang="zh-TW" altLang="en-US"/>
               <a:t>按一下以編輯母片文字樣式</a:t>
             </a:r>
           </a:p>
@@ -3146,7 +3205,7 @@
           <a:p>
             <a:fld id="{0EB6FA98-8E9D-432F-B336-42DA5796D76D}" type="datetimeFigureOut">
               <a:rPr lang="zh-TW" altLang="en-US" smtClean="0"/>
-              <a:t>2020/7/14</a:t>
+              <a:t>2020/7/28</a:t>
             </a:fld>
             <a:endParaRPr lang="zh-TW" altLang="en-US"/>
           </a:p>
@@ -3228,7 +3287,7 @@
                   </a:schemeClr>
                 </a:solidFill>
                 <a:effectLst/>
-                <a:latin typeface="Arial"/>
+                <a:latin typeface="Arial" panose="020B0604020202020204"/>
               </a:rPr>
               <a:t>“</a:t>
             </a:r>
@@ -3269,7 +3328,7 @@
                   </a:schemeClr>
                 </a:solidFill>
                 <a:effectLst/>
-                <a:latin typeface="Arial"/>
+                <a:latin typeface="Arial" panose="020B0604020202020204"/>
               </a:rPr>
               <a:t>”</a:t>
             </a:r>
@@ -3277,11 +3336,6 @@
         </p:txBody>
       </p:sp>
     </p:spTree>
-    <p:extLst>
-      <p:ext uri="{BB962C8B-B14F-4D97-AF65-F5344CB8AC3E}">
-        <p14:creationId xmlns:p14="http://schemas.microsoft.com/office/powerpoint/2010/main" val="3796636785"/>
-      </p:ext>
-    </p:extLst>
   </p:cSld>
   <p:clrMapOvr>
     <a:masterClrMapping/>
@@ -3333,7 +3387,7 @@
           </a:lstStyle>
           <a:p>
             <a:r>
-              <a:rPr lang="zh-TW" altLang="en-US" smtClean="0"/>
+              <a:rPr lang="zh-TW" altLang="en-US"/>
               <a:t>按一下以編輯母片標題樣式</a:t>
             </a:r>
             <a:endParaRPr lang="en-US" dirty="0"/>
@@ -3394,7 +3448,7 @@
           <a:p>
             <a:pPr lvl="0"/>
             <a:r>
-              <a:rPr lang="zh-TW" altLang="en-US" smtClean="0"/>
+              <a:rPr lang="zh-TW" altLang="en-US"/>
               <a:t>按一下以編輯母片文字樣式</a:t>
             </a:r>
           </a:p>
@@ -3516,7 +3570,7 @@
           <a:p>
             <a:pPr lvl="0"/>
             <a:r>
-              <a:rPr lang="zh-TW" altLang="en-US" smtClean="0"/>
+              <a:rPr lang="zh-TW" altLang="en-US"/>
               <a:t>按一下以編輯母片文字樣式</a:t>
             </a:r>
           </a:p>
@@ -3539,7 +3593,7 @@
           <a:p>
             <a:fld id="{0EB6FA98-8E9D-432F-B336-42DA5796D76D}" type="datetimeFigureOut">
               <a:rPr lang="zh-TW" altLang="en-US" smtClean="0"/>
-              <a:t>2020/7/14</a:t>
+              <a:t>2020/7/28</a:t>
             </a:fld>
             <a:endParaRPr lang="zh-TW" altLang="en-US"/>
           </a:p>
@@ -3588,11 +3642,6 @@
         </p:txBody>
       </p:sp>
     </p:spTree>
-    <p:extLst>
-      <p:ext uri="{BB962C8B-B14F-4D97-AF65-F5344CB8AC3E}">
-        <p14:creationId xmlns:p14="http://schemas.microsoft.com/office/powerpoint/2010/main" val="1074316464"/>
-      </p:ext>
-    </p:extLst>
   </p:cSld>
   <p:clrMapOvr>
     <a:masterClrMapping/>
@@ -3633,7 +3682,7 @@
           <a:lstStyle/>
           <a:p>
             <a:r>
-              <a:rPr lang="zh-TW" altLang="en-US" smtClean="0"/>
+              <a:rPr lang="zh-TW" altLang="en-US"/>
               <a:t>按一下以編輯母片標題樣式</a:t>
             </a:r>
             <a:endParaRPr lang="en-US" dirty="0"/>
@@ -3657,35 +3706,35 @@
           <a:p>
             <a:pPr lvl="0"/>
             <a:r>
-              <a:rPr lang="zh-TW" altLang="en-US" smtClean="0"/>
+              <a:rPr lang="zh-TW" altLang="en-US"/>
               <a:t>按一下以編輯母片文字樣式</a:t>
             </a:r>
           </a:p>
           <a:p>
             <a:pPr lvl="1"/>
             <a:r>
-              <a:rPr lang="zh-TW" altLang="en-US" smtClean="0"/>
+              <a:rPr lang="zh-TW" altLang="en-US"/>
               <a:t>第二層</a:t>
             </a:r>
           </a:p>
           <a:p>
             <a:pPr lvl="2"/>
             <a:r>
-              <a:rPr lang="zh-TW" altLang="en-US" smtClean="0"/>
+              <a:rPr lang="zh-TW" altLang="en-US"/>
               <a:t>第三層</a:t>
             </a:r>
           </a:p>
           <a:p>
             <a:pPr lvl="3"/>
             <a:r>
-              <a:rPr lang="zh-TW" altLang="en-US" smtClean="0"/>
+              <a:rPr lang="zh-TW" altLang="en-US"/>
               <a:t>第四層</a:t>
             </a:r>
           </a:p>
           <a:p>
             <a:pPr lvl="4"/>
             <a:r>
-              <a:rPr lang="zh-TW" altLang="en-US" smtClean="0"/>
+              <a:rPr lang="zh-TW" altLang="en-US"/>
               <a:t>第五層</a:t>
             </a:r>
             <a:endParaRPr lang="en-US" dirty="0"/>
@@ -3709,7 +3758,7 @@
           <a:p>
             <a:fld id="{0EB6FA98-8E9D-432F-B336-42DA5796D76D}" type="datetimeFigureOut">
               <a:rPr lang="zh-TW" altLang="en-US" smtClean="0"/>
-              <a:t>2020/7/14</a:t>
+              <a:t>2020/7/28</a:t>
             </a:fld>
             <a:endParaRPr lang="zh-TW" altLang="en-US"/>
           </a:p>
@@ -3758,11 +3807,6 @@
         </p:txBody>
       </p:sp>
     </p:spTree>
-    <p:extLst>
-      <p:ext uri="{BB962C8B-B14F-4D97-AF65-F5344CB8AC3E}">
-        <p14:creationId xmlns:p14="http://schemas.microsoft.com/office/powerpoint/2010/main" val="4164098991"/>
-      </p:ext>
-    </p:extLst>
   </p:cSld>
   <p:clrMapOvr>
     <a:masterClrMapping/>
@@ -3808,7 +3852,7 @@
           <a:lstStyle/>
           <a:p>
             <a:r>
-              <a:rPr lang="zh-TW" altLang="en-US" smtClean="0"/>
+              <a:rPr lang="zh-TW" altLang="en-US"/>
               <a:t>按一下以編輯母片標題樣式</a:t>
             </a:r>
             <a:endParaRPr lang="en-US" dirty="0"/>
@@ -3837,35 +3881,35 @@
           <a:p>
             <a:pPr lvl="0"/>
             <a:r>
-              <a:rPr lang="zh-TW" altLang="en-US" smtClean="0"/>
+              <a:rPr lang="zh-TW" altLang="en-US"/>
               <a:t>按一下以編輯母片文字樣式</a:t>
             </a:r>
           </a:p>
           <a:p>
             <a:pPr lvl="1"/>
             <a:r>
-              <a:rPr lang="zh-TW" altLang="en-US" smtClean="0"/>
+              <a:rPr lang="zh-TW" altLang="en-US"/>
               <a:t>第二層</a:t>
             </a:r>
           </a:p>
           <a:p>
             <a:pPr lvl="2"/>
             <a:r>
-              <a:rPr lang="zh-TW" altLang="en-US" smtClean="0"/>
+              <a:rPr lang="zh-TW" altLang="en-US"/>
               <a:t>第三層</a:t>
             </a:r>
           </a:p>
           <a:p>
             <a:pPr lvl="3"/>
             <a:r>
-              <a:rPr lang="zh-TW" altLang="en-US" smtClean="0"/>
+              <a:rPr lang="zh-TW" altLang="en-US"/>
               <a:t>第四層</a:t>
             </a:r>
           </a:p>
           <a:p>
             <a:pPr lvl="4"/>
             <a:r>
-              <a:rPr lang="zh-TW" altLang="en-US" smtClean="0"/>
+              <a:rPr lang="zh-TW" altLang="en-US"/>
               <a:t>第五層</a:t>
             </a:r>
             <a:endParaRPr lang="en-US" dirty="0"/>
@@ -3889,7 +3933,7 @@
           <a:p>
             <a:fld id="{0EB6FA98-8E9D-432F-B336-42DA5796D76D}" type="datetimeFigureOut">
               <a:rPr lang="zh-TW" altLang="en-US" smtClean="0"/>
-              <a:t>2020/7/14</a:t>
+              <a:t>2020/7/28</a:t>
             </a:fld>
             <a:endParaRPr lang="zh-TW" altLang="en-US"/>
           </a:p>
@@ -3938,11 +3982,6 @@
         </p:txBody>
       </p:sp>
     </p:spTree>
-    <p:extLst>
-      <p:ext uri="{BB962C8B-B14F-4D97-AF65-F5344CB8AC3E}">
-        <p14:creationId xmlns:p14="http://schemas.microsoft.com/office/powerpoint/2010/main" val="2013187166"/>
-      </p:ext>
-    </p:extLst>
   </p:cSld>
   <p:clrMapOvr>
     <a:masterClrMapping/>
@@ -3989,7 +4028,7 @@
           </a:lstStyle>
           <a:p>
             <a:r>
-              <a:rPr lang="zh-TW" altLang="en-US" smtClean="0"/>
+              <a:rPr lang="zh-TW" altLang="en-US"/>
               <a:t>按一下以編輯母片標題樣式</a:t>
             </a:r>
             <a:endParaRPr lang="en-US" dirty="0"/>
@@ -4013,35 +4052,35 @@
           <a:p>
             <a:pPr lvl="0"/>
             <a:r>
-              <a:rPr lang="zh-TW" altLang="en-US" smtClean="0"/>
+              <a:rPr lang="zh-TW" altLang="en-US"/>
               <a:t>按一下以編輯母片文字樣式</a:t>
             </a:r>
           </a:p>
           <a:p>
             <a:pPr lvl="1"/>
             <a:r>
-              <a:rPr lang="zh-TW" altLang="en-US" smtClean="0"/>
+              <a:rPr lang="zh-TW" altLang="en-US"/>
               <a:t>第二層</a:t>
             </a:r>
           </a:p>
           <a:p>
             <a:pPr lvl="2"/>
             <a:r>
-              <a:rPr lang="zh-TW" altLang="en-US" smtClean="0"/>
+              <a:rPr lang="zh-TW" altLang="en-US"/>
               <a:t>第三層</a:t>
             </a:r>
           </a:p>
           <a:p>
             <a:pPr lvl="3"/>
             <a:r>
-              <a:rPr lang="zh-TW" altLang="en-US" smtClean="0"/>
+              <a:rPr lang="zh-TW" altLang="en-US"/>
               <a:t>第四層</a:t>
             </a:r>
           </a:p>
           <a:p>
             <a:pPr lvl="4"/>
             <a:r>
-              <a:rPr lang="zh-TW" altLang="en-US" smtClean="0"/>
+              <a:rPr lang="zh-TW" altLang="en-US"/>
               <a:t>第五層</a:t>
             </a:r>
             <a:endParaRPr lang="en-US" dirty="0"/>
@@ -4065,7 +4104,7 @@
           <a:p>
             <a:fld id="{0EB6FA98-8E9D-432F-B336-42DA5796D76D}" type="datetimeFigureOut">
               <a:rPr lang="zh-TW" altLang="en-US" smtClean="0"/>
-              <a:t>2020/7/14</a:t>
+              <a:t>2020/7/28</a:t>
             </a:fld>
             <a:endParaRPr lang="zh-TW" altLang="en-US"/>
           </a:p>
@@ -4114,11 +4153,6 @@
         </p:txBody>
       </p:sp>
     </p:spTree>
-    <p:extLst>
-      <p:ext uri="{BB962C8B-B14F-4D97-AF65-F5344CB8AC3E}">
-        <p14:creationId xmlns:p14="http://schemas.microsoft.com/office/powerpoint/2010/main" val="611307752"/>
-      </p:ext>
-    </p:extLst>
   </p:cSld>
   <p:clrMapOvr>
     <a:masterClrMapping/>
@@ -4168,7 +4202,7 @@
           </a:lstStyle>
           <a:p>
             <a:r>
-              <a:rPr lang="zh-TW" altLang="en-US" smtClean="0"/>
+              <a:rPr lang="zh-TW" altLang="en-US"/>
               <a:t>按一下以編輯母片標題樣式</a:t>
             </a:r>
             <a:endParaRPr lang="en-US" dirty="0"/>
@@ -4289,7 +4323,7 @@
           <a:p>
             <a:pPr lvl="0"/>
             <a:r>
-              <a:rPr lang="zh-TW" altLang="en-US" smtClean="0"/>
+              <a:rPr lang="zh-TW" altLang="en-US"/>
               <a:t>按一下以編輯母片文字樣式</a:t>
             </a:r>
           </a:p>
@@ -4312,7 +4346,7 @@
           <a:p>
             <a:fld id="{0EB6FA98-8E9D-432F-B336-42DA5796D76D}" type="datetimeFigureOut">
               <a:rPr lang="zh-TW" altLang="en-US" smtClean="0"/>
-              <a:t>2020/7/14</a:t>
+              <a:t>2020/7/28</a:t>
             </a:fld>
             <a:endParaRPr lang="zh-TW" altLang="en-US"/>
           </a:p>
@@ -4361,11 +4395,6 @@
         </p:txBody>
       </p:sp>
     </p:spTree>
-    <p:extLst>
-      <p:ext uri="{BB962C8B-B14F-4D97-AF65-F5344CB8AC3E}">
-        <p14:creationId xmlns:p14="http://schemas.microsoft.com/office/powerpoint/2010/main" val="1425287871"/>
-      </p:ext>
-    </p:extLst>
   </p:cSld>
   <p:clrMapOvr>
     <a:masterClrMapping/>
@@ -4406,7 +4435,7 @@
           <a:lstStyle/>
           <a:p>
             <a:r>
-              <a:rPr lang="zh-TW" altLang="en-US" smtClean="0"/>
+              <a:rPr lang="zh-TW" altLang="en-US"/>
               <a:t>按一下以編輯母片標題樣式</a:t>
             </a:r>
             <a:endParaRPr lang="en-US" dirty="0"/>
@@ -4435,35 +4464,35 @@
           <a:p>
             <a:pPr lvl="0"/>
             <a:r>
-              <a:rPr lang="zh-TW" altLang="en-US" smtClean="0"/>
+              <a:rPr lang="zh-TW" altLang="en-US"/>
               <a:t>按一下以編輯母片文字樣式</a:t>
             </a:r>
           </a:p>
           <a:p>
             <a:pPr lvl="1"/>
             <a:r>
-              <a:rPr lang="zh-TW" altLang="en-US" smtClean="0"/>
+              <a:rPr lang="zh-TW" altLang="en-US"/>
               <a:t>第二層</a:t>
             </a:r>
           </a:p>
           <a:p>
             <a:pPr lvl="2"/>
             <a:r>
-              <a:rPr lang="zh-TW" altLang="en-US" smtClean="0"/>
+              <a:rPr lang="zh-TW" altLang="en-US"/>
               <a:t>第三層</a:t>
             </a:r>
           </a:p>
           <a:p>
             <a:pPr lvl="3"/>
             <a:r>
-              <a:rPr lang="zh-TW" altLang="en-US" smtClean="0"/>
+              <a:rPr lang="zh-TW" altLang="en-US"/>
               <a:t>第四層</a:t>
             </a:r>
           </a:p>
           <a:p>
             <a:pPr lvl="4"/>
             <a:r>
-              <a:rPr lang="zh-TW" altLang="en-US" smtClean="0"/>
+              <a:rPr lang="zh-TW" altLang="en-US"/>
               <a:t>第五層</a:t>
             </a:r>
             <a:endParaRPr lang="en-US" dirty="0"/>
@@ -4492,35 +4521,35 @@
           <a:p>
             <a:pPr lvl="0"/>
             <a:r>
-              <a:rPr lang="zh-TW" altLang="en-US" smtClean="0"/>
+              <a:rPr lang="zh-TW" altLang="en-US"/>
               <a:t>按一下以編輯母片文字樣式</a:t>
             </a:r>
           </a:p>
           <a:p>
             <a:pPr lvl="1"/>
             <a:r>
-              <a:rPr lang="zh-TW" altLang="en-US" smtClean="0"/>
+              <a:rPr lang="zh-TW" altLang="en-US"/>
               <a:t>第二層</a:t>
             </a:r>
           </a:p>
           <a:p>
             <a:pPr lvl="2"/>
             <a:r>
-              <a:rPr lang="zh-TW" altLang="en-US" smtClean="0"/>
+              <a:rPr lang="zh-TW" altLang="en-US"/>
               <a:t>第三層</a:t>
             </a:r>
           </a:p>
           <a:p>
             <a:pPr lvl="3"/>
             <a:r>
-              <a:rPr lang="zh-TW" altLang="en-US" smtClean="0"/>
+              <a:rPr lang="zh-TW" altLang="en-US"/>
               <a:t>第四層</a:t>
             </a:r>
           </a:p>
           <a:p>
             <a:pPr lvl="4"/>
             <a:r>
-              <a:rPr lang="zh-TW" altLang="en-US" smtClean="0"/>
+              <a:rPr lang="zh-TW" altLang="en-US"/>
               <a:t>第五層</a:t>
             </a:r>
             <a:endParaRPr lang="en-US" dirty="0"/>
@@ -4544,7 +4573,7 @@
           <a:p>
             <a:fld id="{0EB6FA98-8E9D-432F-B336-42DA5796D76D}" type="datetimeFigureOut">
               <a:rPr lang="zh-TW" altLang="en-US" smtClean="0"/>
-              <a:t>2020/7/14</a:t>
+              <a:t>2020/7/28</a:t>
             </a:fld>
             <a:endParaRPr lang="zh-TW" altLang="en-US"/>
           </a:p>
@@ -4593,11 +4622,6 @@
         </p:txBody>
       </p:sp>
     </p:spTree>
-    <p:extLst>
-      <p:ext uri="{BB962C8B-B14F-4D97-AF65-F5344CB8AC3E}">
-        <p14:creationId xmlns:p14="http://schemas.microsoft.com/office/powerpoint/2010/main" val="1443508619"/>
-      </p:ext>
-    </p:extLst>
   </p:cSld>
   <p:clrMapOvr>
     <a:masterClrMapping/>
@@ -4642,7 +4666,7 @@
           </a:lstStyle>
           <a:p>
             <a:r>
-              <a:rPr lang="zh-TW" altLang="en-US" smtClean="0"/>
+              <a:rPr lang="zh-TW" altLang="en-US"/>
               <a:t>按一下以編輯母片標題樣式</a:t>
             </a:r>
             <a:endParaRPr lang="en-US" dirty="0"/>
@@ -4710,7 +4734,7 @@
           <a:p>
             <a:pPr lvl="0"/>
             <a:r>
-              <a:rPr lang="zh-TW" altLang="en-US" smtClean="0"/>
+              <a:rPr lang="zh-TW" altLang="en-US"/>
               <a:t>按一下以編輯母片文字樣式</a:t>
             </a:r>
           </a:p>
@@ -4740,35 +4764,35 @@
           <a:p>
             <a:pPr lvl="0"/>
             <a:r>
-              <a:rPr lang="zh-TW" altLang="en-US" smtClean="0"/>
+              <a:rPr lang="zh-TW" altLang="en-US"/>
               <a:t>按一下以編輯母片文字樣式</a:t>
             </a:r>
           </a:p>
           <a:p>
             <a:pPr lvl="1"/>
             <a:r>
-              <a:rPr lang="zh-TW" altLang="en-US" smtClean="0"/>
+              <a:rPr lang="zh-TW" altLang="en-US"/>
               <a:t>第二層</a:t>
             </a:r>
           </a:p>
           <a:p>
             <a:pPr lvl="2"/>
             <a:r>
-              <a:rPr lang="zh-TW" altLang="en-US" smtClean="0"/>
+              <a:rPr lang="zh-TW" altLang="en-US"/>
               <a:t>第三層</a:t>
             </a:r>
           </a:p>
           <a:p>
             <a:pPr lvl="3"/>
             <a:r>
-              <a:rPr lang="zh-TW" altLang="en-US" smtClean="0"/>
+              <a:rPr lang="zh-TW" altLang="en-US"/>
               <a:t>第四層</a:t>
             </a:r>
           </a:p>
           <a:p>
             <a:pPr lvl="4"/>
             <a:r>
-              <a:rPr lang="zh-TW" altLang="en-US" smtClean="0"/>
+              <a:rPr lang="zh-TW" altLang="en-US"/>
               <a:t>第五層</a:t>
             </a:r>
             <a:endParaRPr lang="en-US" dirty="0"/>
@@ -4836,7 +4860,7 @@
           <a:p>
             <a:pPr lvl="0"/>
             <a:r>
-              <a:rPr lang="zh-TW" altLang="en-US" smtClean="0"/>
+              <a:rPr lang="zh-TW" altLang="en-US"/>
               <a:t>按一下以編輯母片文字樣式</a:t>
             </a:r>
           </a:p>
@@ -4866,35 +4890,35 @@
           <a:p>
             <a:pPr lvl="0"/>
             <a:r>
-              <a:rPr lang="zh-TW" altLang="en-US" smtClean="0"/>
+              <a:rPr lang="zh-TW" altLang="en-US"/>
               <a:t>按一下以編輯母片文字樣式</a:t>
             </a:r>
           </a:p>
           <a:p>
             <a:pPr lvl="1"/>
             <a:r>
-              <a:rPr lang="zh-TW" altLang="en-US" smtClean="0"/>
+              <a:rPr lang="zh-TW" altLang="en-US"/>
               <a:t>第二層</a:t>
             </a:r>
           </a:p>
           <a:p>
             <a:pPr lvl="2"/>
             <a:r>
-              <a:rPr lang="zh-TW" altLang="en-US" smtClean="0"/>
+              <a:rPr lang="zh-TW" altLang="en-US"/>
               <a:t>第三層</a:t>
             </a:r>
           </a:p>
           <a:p>
             <a:pPr lvl="3"/>
             <a:r>
-              <a:rPr lang="zh-TW" altLang="en-US" smtClean="0"/>
+              <a:rPr lang="zh-TW" altLang="en-US"/>
               <a:t>第四層</a:t>
             </a:r>
           </a:p>
           <a:p>
             <a:pPr lvl="4"/>
             <a:r>
-              <a:rPr lang="zh-TW" altLang="en-US" smtClean="0"/>
+              <a:rPr lang="zh-TW" altLang="en-US"/>
               <a:t>第五層</a:t>
             </a:r>
             <a:endParaRPr lang="en-US" dirty="0"/>
@@ -4918,7 +4942,7 @@
           <a:p>
             <a:fld id="{0EB6FA98-8E9D-432F-B336-42DA5796D76D}" type="datetimeFigureOut">
               <a:rPr lang="zh-TW" altLang="en-US" smtClean="0"/>
-              <a:t>2020/7/14</a:t>
+              <a:t>2020/7/28</a:t>
             </a:fld>
             <a:endParaRPr lang="zh-TW" altLang="en-US"/>
           </a:p>
@@ -4967,11 +4991,6 @@
         </p:txBody>
       </p:sp>
     </p:spTree>
-    <p:extLst>
-      <p:ext uri="{BB962C8B-B14F-4D97-AF65-F5344CB8AC3E}">
-        <p14:creationId xmlns:p14="http://schemas.microsoft.com/office/powerpoint/2010/main" val="2144210173"/>
-      </p:ext>
-    </p:extLst>
   </p:cSld>
   <p:clrMapOvr>
     <a:masterClrMapping/>
@@ -5017,7 +5036,7 @@
           <a:lstStyle/>
           <a:p>
             <a:r>
-              <a:rPr lang="zh-TW" altLang="en-US" smtClean="0"/>
+              <a:rPr lang="zh-TW" altLang="en-US"/>
               <a:t>按一下以編輯母片標題樣式</a:t>
             </a:r>
             <a:endParaRPr lang="en-US" dirty="0"/>
@@ -5041,7 +5060,7 @@
           <a:p>
             <a:fld id="{0EB6FA98-8E9D-432F-B336-42DA5796D76D}" type="datetimeFigureOut">
               <a:rPr lang="zh-TW" altLang="en-US" smtClean="0"/>
-              <a:t>2020/7/14</a:t>
+              <a:t>2020/7/28</a:t>
             </a:fld>
             <a:endParaRPr lang="zh-TW" altLang="en-US"/>
           </a:p>
@@ -5090,11 +5109,6 @@
         </p:txBody>
       </p:sp>
     </p:spTree>
-    <p:extLst>
-      <p:ext uri="{BB962C8B-B14F-4D97-AF65-F5344CB8AC3E}">
-        <p14:creationId xmlns:p14="http://schemas.microsoft.com/office/powerpoint/2010/main" val="1345637328"/>
-      </p:ext>
-    </p:extLst>
   </p:cSld>
   <p:clrMapOvr>
     <a:masterClrMapping/>
@@ -5136,7 +5150,7 @@
           <a:p>
             <a:fld id="{0EB6FA98-8E9D-432F-B336-42DA5796D76D}" type="datetimeFigureOut">
               <a:rPr lang="zh-TW" altLang="en-US" smtClean="0"/>
-              <a:t>2020/7/14</a:t>
+              <a:t>2020/7/28</a:t>
             </a:fld>
             <a:endParaRPr lang="zh-TW" altLang="en-US"/>
           </a:p>
@@ -5185,11 +5199,6 @@
         </p:txBody>
       </p:sp>
     </p:spTree>
-    <p:extLst>
-      <p:ext uri="{BB962C8B-B14F-4D97-AF65-F5344CB8AC3E}">
-        <p14:creationId xmlns:p14="http://schemas.microsoft.com/office/powerpoint/2010/main" val="1838062687"/>
-      </p:ext>
-    </p:extLst>
   </p:cSld>
   <p:clrMapOvr>
     <a:masterClrMapping/>
@@ -5241,7 +5250,7 @@
           </a:lstStyle>
           <a:p>
             <a:r>
-              <a:rPr lang="zh-TW" altLang="en-US" smtClean="0"/>
+              <a:rPr lang="zh-TW" altLang="en-US"/>
               <a:t>按一下以編輯母片標題樣式</a:t>
             </a:r>
             <a:endParaRPr lang="en-US" dirty="0"/>
@@ -5272,35 +5281,35 @@
           <a:p>
             <a:pPr lvl="0"/>
             <a:r>
-              <a:rPr lang="zh-TW" altLang="en-US" smtClean="0"/>
+              <a:rPr lang="zh-TW" altLang="en-US"/>
               <a:t>按一下以編輯母片文字樣式</a:t>
             </a:r>
           </a:p>
           <a:p>
             <a:pPr lvl="1"/>
             <a:r>
-              <a:rPr lang="zh-TW" altLang="en-US" smtClean="0"/>
+              <a:rPr lang="zh-TW" altLang="en-US"/>
               <a:t>第二層</a:t>
             </a:r>
           </a:p>
           <a:p>
             <a:pPr lvl="2"/>
             <a:r>
-              <a:rPr lang="zh-TW" altLang="en-US" smtClean="0"/>
+              <a:rPr lang="zh-TW" altLang="en-US"/>
               <a:t>第三層</a:t>
             </a:r>
           </a:p>
           <a:p>
             <a:pPr lvl="3"/>
             <a:r>
-              <a:rPr lang="zh-TW" altLang="en-US" smtClean="0"/>
+              <a:rPr lang="zh-TW" altLang="en-US"/>
               <a:t>第四層</a:t>
             </a:r>
           </a:p>
           <a:p>
             <a:pPr lvl="4"/>
             <a:r>
-              <a:rPr lang="zh-TW" altLang="en-US" smtClean="0"/>
+              <a:rPr lang="zh-TW" altLang="en-US"/>
               <a:t>第五層</a:t>
             </a:r>
             <a:endParaRPr lang="en-US" dirty="0"/>
@@ -5332,35 +5341,35 @@
               <a:buNone/>
               <a:defRPr sz="1400"/>
             </a:lvl1pPr>
-            <a:lvl2pPr marL="457063" indent="0">
+            <a:lvl2pPr marL="457200" indent="0">
               <a:buNone/>
               <a:defRPr sz="1400"/>
             </a:lvl2pPr>
-            <a:lvl3pPr marL="914126" indent="0">
+            <a:lvl3pPr marL="914400" indent="0">
               <a:buNone/>
               <a:defRPr sz="1200"/>
             </a:lvl3pPr>
-            <a:lvl4pPr marL="1371189" indent="0">
+            <a:lvl4pPr marL="1370965" indent="0">
               <a:buNone/>
               <a:defRPr sz="1000"/>
             </a:lvl4pPr>
-            <a:lvl5pPr marL="1828251" indent="0">
+            <a:lvl5pPr marL="1828165" indent="0">
               <a:buNone/>
               <a:defRPr sz="1000"/>
             </a:lvl5pPr>
-            <a:lvl6pPr marL="2285314" indent="0">
+            <a:lvl6pPr marL="2285365" indent="0">
               <a:buNone/>
               <a:defRPr sz="1000"/>
             </a:lvl6pPr>
-            <a:lvl7pPr marL="2742377" indent="0">
+            <a:lvl7pPr marL="2742565" indent="0">
               <a:buNone/>
               <a:defRPr sz="1000"/>
             </a:lvl7pPr>
-            <a:lvl8pPr marL="3199440" indent="0">
+            <a:lvl8pPr marL="3199130" indent="0">
               <a:buNone/>
               <a:defRPr sz="1000"/>
             </a:lvl8pPr>
-            <a:lvl9pPr marL="3656503" indent="0">
+            <a:lvl9pPr marL="3656330" indent="0">
               <a:buNone/>
               <a:defRPr sz="1000"/>
             </a:lvl9pPr>
@@ -5368,7 +5377,7 @@
           <a:p>
             <a:pPr lvl="0"/>
             <a:r>
-              <a:rPr lang="zh-TW" altLang="en-US" smtClean="0"/>
+              <a:rPr lang="zh-TW" altLang="en-US"/>
               <a:t>按一下以編輯母片文字樣式</a:t>
             </a:r>
           </a:p>
@@ -5391,7 +5400,7 @@
           <a:p>
             <a:fld id="{0EB6FA98-8E9D-432F-B336-42DA5796D76D}" type="datetimeFigureOut">
               <a:rPr lang="zh-TW" altLang="en-US" smtClean="0"/>
-              <a:t>2020/7/14</a:t>
+              <a:t>2020/7/28</a:t>
             </a:fld>
             <a:endParaRPr lang="zh-TW" altLang="en-US"/>
           </a:p>
@@ -5440,11 +5449,6 @@
         </p:txBody>
       </p:sp>
     </p:spTree>
-    <p:extLst>
-      <p:ext uri="{BB962C8B-B14F-4D97-AF65-F5344CB8AC3E}">
-        <p14:creationId xmlns:p14="http://schemas.microsoft.com/office/powerpoint/2010/main" val="1499288873"/>
-      </p:ext>
-    </p:extLst>
   </p:cSld>
   <p:clrMapOvr>
     <a:masterClrMapping/>
@@ -5496,7 +5500,7 @@
           </a:lstStyle>
           <a:p>
             <a:r>
-              <a:rPr lang="zh-TW" altLang="en-US" smtClean="0"/>
+              <a:rPr lang="zh-TW" altLang="en-US"/>
               <a:t>按一下以編輯母片標題樣式</a:t>
             </a:r>
             <a:endParaRPr lang="en-US" dirty="0"/>
@@ -5563,7 +5567,7 @@
           </a:lstStyle>
           <a:p>
             <a:r>
-              <a:rPr lang="zh-TW" altLang="en-US" smtClean="0"/>
+              <a:rPr lang="zh-TW" altLang="en-US"/>
               <a:t>按一下圖示以新增圖片</a:t>
             </a:r>
             <a:endParaRPr lang="en-US" dirty="0"/>
@@ -5631,7 +5635,7 @@
           <a:p>
             <a:pPr lvl="0"/>
             <a:r>
-              <a:rPr lang="zh-TW" altLang="en-US" smtClean="0"/>
+              <a:rPr lang="zh-TW" altLang="en-US"/>
               <a:t>按一下以編輯母片文字樣式</a:t>
             </a:r>
           </a:p>
@@ -5654,7 +5658,7 @@
           <a:p>
             <a:fld id="{0EB6FA98-8E9D-432F-B336-42DA5796D76D}" type="datetimeFigureOut">
               <a:rPr lang="zh-TW" altLang="en-US" smtClean="0"/>
-              <a:t>2020/7/14</a:t>
+              <a:t>2020/7/28</a:t>
             </a:fld>
             <a:endParaRPr lang="zh-TW" altLang="en-US"/>
           </a:p>
@@ -5703,11 +5707,6 @@
         </p:txBody>
       </p:sp>
     </p:spTree>
-    <p:extLst>
-      <p:ext uri="{BB962C8B-B14F-4D97-AF65-F5344CB8AC3E}">
-        <p14:creationId xmlns:p14="http://schemas.microsoft.com/office/powerpoint/2010/main" val="3517057540"/>
-      </p:ext>
-    </p:extLst>
   </p:cSld>
   <p:clrMapOvr>
     <a:masterClrMapping/>
@@ -6293,7 +6292,7 @@
           <a:lstStyle/>
           <a:p>
             <a:r>
-              <a:rPr lang="zh-TW" altLang="en-US" smtClean="0"/>
+              <a:rPr lang="zh-TW" altLang="en-US"/>
               <a:t>按一下以編輯母片標題樣式</a:t>
             </a:r>
             <a:endParaRPr lang="en-US" dirty="0"/>
@@ -6327,35 +6326,35 @@
           <a:p>
             <a:pPr lvl="0"/>
             <a:r>
-              <a:rPr lang="zh-TW" altLang="en-US" smtClean="0"/>
+              <a:rPr lang="zh-TW" altLang="en-US"/>
               <a:t>按一下以編輯母片文字樣式</a:t>
             </a:r>
           </a:p>
           <a:p>
             <a:pPr lvl="1"/>
             <a:r>
-              <a:rPr lang="zh-TW" altLang="en-US" smtClean="0"/>
+              <a:rPr lang="zh-TW" altLang="en-US"/>
               <a:t>第二層</a:t>
             </a:r>
           </a:p>
           <a:p>
             <a:pPr lvl="2"/>
             <a:r>
-              <a:rPr lang="zh-TW" altLang="en-US" smtClean="0"/>
+              <a:rPr lang="zh-TW" altLang="en-US"/>
               <a:t>第三層</a:t>
             </a:r>
           </a:p>
           <a:p>
             <a:pPr lvl="3"/>
             <a:r>
-              <a:rPr lang="zh-TW" altLang="en-US" smtClean="0"/>
+              <a:rPr lang="zh-TW" altLang="en-US"/>
               <a:t>第四層</a:t>
             </a:r>
           </a:p>
           <a:p>
             <a:pPr lvl="4"/>
             <a:r>
-              <a:rPr lang="zh-TW" altLang="en-US" smtClean="0"/>
+              <a:rPr lang="zh-TW" altLang="en-US"/>
               <a:t>第五層</a:t>
             </a:r>
             <a:endParaRPr lang="en-US" dirty="0"/>
@@ -6397,7 +6396,7 @@
           <a:p>
             <a:fld id="{0EB6FA98-8E9D-432F-B336-42DA5796D76D}" type="datetimeFigureOut">
               <a:rPr lang="zh-TW" altLang="en-US" smtClean="0"/>
-              <a:t>2020/7/14</a:t>
+              <a:t>2020/7/28</a:t>
             </a:fld>
             <a:endParaRPr lang="zh-TW" altLang="en-US"/>
           </a:p>
@@ -6480,30 +6479,25 @@
         </p:txBody>
       </p:sp>
     </p:spTree>
-    <p:extLst>
-      <p:ext uri="{BB962C8B-B14F-4D97-AF65-F5344CB8AC3E}">
-        <p14:creationId xmlns:p14="http://schemas.microsoft.com/office/powerpoint/2010/main" val="2305167026"/>
-      </p:ext>
-    </p:extLst>
   </p:cSld>
   <p:clrMap bg1="lt1" tx1="dk1" bg2="lt2" tx2="dk2" accent1="accent1" accent2="accent2" accent3="accent3" accent4="accent4" accent5="accent5" accent6="accent6" hlink="hlink" folHlink="folHlink"/>
   <p:sldLayoutIdLst>
-    <p:sldLayoutId id="2147483661" r:id="rId1"/>
-    <p:sldLayoutId id="2147483662" r:id="rId2"/>
-    <p:sldLayoutId id="2147483663" r:id="rId3"/>
-    <p:sldLayoutId id="2147483664" r:id="rId4"/>
-    <p:sldLayoutId id="2147483665" r:id="rId5"/>
-    <p:sldLayoutId id="2147483666" r:id="rId6"/>
-    <p:sldLayoutId id="2147483667" r:id="rId7"/>
-    <p:sldLayoutId id="2147483668" r:id="rId8"/>
-    <p:sldLayoutId id="2147483669" r:id="rId9"/>
-    <p:sldLayoutId id="2147483670" r:id="rId10"/>
-    <p:sldLayoutId id="2147483671" r:id="rId11"/>
-    <p:sldLayoutId id="2147483672" r:id="rId12"/>
-    <p:sldLayoutId id="2147483673" r:id="rId13"/>
-    <p:sldLayoutId id="2147483674" r:id="rId14"/>
-    <p:sldLayoutId id="2147483675" r:id="rId15"/>
-    <p:sldLayoutId id="2147483676" r:id="rId16"/>
+    <p:sldLayoutId id="2147483649" r:id="rId1"/>
+    <p:sldLayoutId id="2147483650" r:id="rId2"/>
+    <p:sldLayoutId id="2147483651" r:id="rId3"/>
+    <p:sldLayoutId id="2147483652" r:id="rId4"/>
+    <p:sldLayoutId id="2147483653" r:id="rId5"/>
+    <p:sldLayoutId id="2147483654" r:id="rId6"/>
+    <p:sldLayoutId id="2147483655" r:id="rId7"/>
+    <p:sldLayoutId id="2147483656" r:id="rId8"/>
+    <p:sldLayoutId id="2147483657" r:id="rId9"/>
+    <p:sldLayoutId id="2147483658" r:id="rId10"/>
+    <p:sldLayoutId id="2147483659" r:id="rId11"/>
+    <p:sldLayoutId id="2147483660" r:id="rId12"/>
+    <p:sldLayoutId id="2147483661" r:id="rId13"/>
+    <p:sldLayoutId id="2147483662" r:id="rId14"/>
+    <p:sldLayoutId id="2147483663" r:id="rId15"/>
+    <p:sldLayoutId id="2147483664" r:id="rId16"/>
   </p:sldLayoutIdLst>
   <p:txStyles>
     <p:titleStyle>
@@ -6590,7 +6584,7 @@
           <a:schemeClr val="accent1"/>
         </a:buClr>
         <a:buSzPct val="80000"/>
-        <a:buFont typeface="Wingdings 3" charset="2"/>
+        <a:buFont typeface="Wingdings 3" panose="05040102010807070707" charset="2"/>
         <a:buChar char=""/>
         <a:defRPr sz="1800" kern="1200">
           <a:solidFill>
@@ -6615,7 +6609,7 @@
           <a:schemeClr val="accent1"/>
         </a:buClr>
         <a:buSzPct val="80000"/>
-        <a:buFont typeface="Wingdings 3" charset="2"/>
+        <a:buFont typeface="Wingdings 3" panose="05040102010807070707" charset="2"/>
         <a:buChar char=""/>
         <a:defRPr sz="1600" kern="1200">
           <a:solidFill>
@@ -6640,7 +6634,7 @@
           <a:schemeClr val="accent1"/>
         </a:buClr>
         <a:buSzPct val="80000"/>
-        <a:buFont typeface="Wingdings 3" charset="2"/>
+        <a:buFont typeface="Wingdings 3" panose="05040102010807070707" charset="2"/>
         <a:buChar char=""/>
         <a:defRPr sz="1400" kern="1200">
           <a:solidFill>
@@ -6665,7 +6659,7 @@
           <a:schemeClr val="accent1"/>
         </a:buClr>
         <a:buSzPct val="80000"/>
-        <a:buFont typeface="Wingdings 3" charset="2"/>
+        <a:buFont typeface="Wingdings 3" panose="05040102010807070707" charset="2"/>
         <a:buChar char=""/>
         <a:defRPr sz="1200" kern="1200">
           <a:solidFill>
@@ -6690,7 +6684,7 @@
           <a:schemeClr val="accent1"/>
         </a:buClr>
         <a:buSzPct val="80000"/>
-        <a:buFont typeface="Wingdings 3" charset="2"/>
+        <a:buFont typeface="Wingdings 3" panose="05040102010807070707" charset="2"/>
         <a:buChar char=""/>
         <a:defRPr sz="1200" kern="1200">
           <a:solidFill>
@@ -6715,7 +6709,7 @@
           <a:schemeClr val="accent1"/>
         </a:buClr>
         <a:buSzPct val="80000"/>
-        <a:buFont typeface="Wingdings 3" charset="2"/>
+        <a:buFont typeface="Wingdings 3" panose="05040102010807070707" charset="2"/>
         <a:buChar char=""/>
         <a:defRPr sz="1200" kern="1200">
           <a:solidFill>
@@ -6740,7 +6734,7 @@
           <a:schemeClr val="accent1"/>
         </a:buClr>
         <a:buSzPct val="80000"/>
-        <a:buFont typeface="Wingdings 3" charset="2"/>
+        <a:buFont typeface="Wingdings 3" panose="05040102010807070707" charset="2"/>
         <a:buChar char=""/>
         <a:defRPr sz="1200" kern="1200">
           <a:solidFill>
@@ -6765,7 +6759,7 @@
           <a:schemeClr val="accent1"/>
         </a:buClr>
         <a:buSzPct val="80000"/>
-        <a:buFont typeface="Wingdings 3" charset="2"/>
+        <a:buFont typeface="Wingdings 3" panose="05040102010807070707" charset="2"/>
         <a:buChar char=""/>
         <a:defRPr sz="1200" kern="1200">
           <a:solidFill>
@@ -6790,7 +6784,7 @@
           <a:schemeClr val="accent1"/>
         </a:buClr>
         <a:buSzPct val="80000"/>
-        <a:buFont typeface="Wingdings 3" charset="2"/>
+        <a:buFont typeface="Wingdings 3" panose="05040102010807070707" charset="2"/>
         <a:buChar char=""/>
         <a:defRPr sz="1200" kern="1200">
           <a:solidFill>
@@ -6923,6 +6917,86 @@
       </p:grpSpPr>
       <p:sp>
         <p:nvSpPr>
+          <p:cNvPr id="2" name="標題 1">
+            <a:extLst>
+              <a:ext uri="{FF2B5EF4-FFF2-40B4-BE49-F238E27FC236}">
+                <a16:creationId xmlns:a16="http://schemas.microsoft.com/office/drawing/2014/main" id="{1650EE68-BAE5-4518-8044-94E823CA528A}"/>
+              </a:ext>
+            </a:extLst>
+          </p:cNvPr>
+          <p:cNvSpPr>
+            <a:spLocks noGrp="1"/>
+          </p:cNvSpPr>
+          <p:nvPr>
+            <p:ph type="ctrTitle"/>
+          </p:nvPr>
+        </p:nvSpPr>
+        <p:spPr/>
+        <p:txBody>
+          <a:bodyPr/>
+          <a:lstStyle/>
+          <a:p>
+            <a:endParaRPr lang="zh-TW" altLang="en-US"/>
+          </a:p>
+        </p:txBody>
+      </p:sp>
+      <p:sp>
+        <p:nvSpPr>
+          <p:cNvPr id="3" name="副標題 2">
+            <a:extLst>
+              <a:ext uri="{FF2B5EF4-FFF2-40B4-BE49-F238E27FC236}">
+                <a16:creationId xmlns:a16="http://schemas.microsoft.com/office/drawing/2014/main" id="{2090D273-280D-4AC7-8B83-58C02DC8B7BE}"/>
+              </a:ext>
+            </a:extLst>
+          </p:cNvPr>
+          <p:cNvSpPr>
+            <a:spLocks noGrp="1"/>
+          </p:cNvSpPr>
+          <p:nvPr>
+            <p:ph type="subTitle" idx="1"/>
+          </p:nvPr>
+        </p:nvSpPr>
+        <p:spPr/>
+        <p:txBody>
+          <a:bodyPr/>
+          <a:lstStyle/>
+          <a:p>
+            <a:endParaRPr lang="zh-TW" altLang="en-US"/>
+          </a:p>
+        </p:txBody>
+      </p:sp>
+    </p:spTree>
+    <p:extLst>
+      <p:ext uri="{BB962C8B-B14F-4D97-AF65-F5344CB8AC3E}">
+        <p14:creationId xmlns:p14="http://schemas.microsoft.com/office/powerpoint/2010/main" val="3098134493"/>
+      </p:ext>
+    </p:extLst>
+  </p:cSld>
+  <p:clrMapOvr>
+    <a:masterClrMapping/>
+  </p:clrMapOvr>
+</p:sld>
+</file>
+
+<file path=ppt/slides/slide2.xml><?xml version="1.0" encoding="utf-8"?>
+<p:sld xmlns:a="http://schemas.openxmlformats.org/drawingml/2006/main" xmlns:r="http://schemas.openxmlformats.org/officeDocument/2006/relationships" xmlns:p="http://schemas.openxmlformats.org/presentationml/2006/main">
+  <p:cSld>
+    <p:spTree>
+      <p:nvGrpSpPr>
+        <p:cNvPr id="1" name=""/>
+        <p:cNvGrpSpPr/>
+        <p:nvPr/>
+      </p:nvGrpSpPr>
+      <p:grpSpPr>
+        <a:xfrm>
+          <a:off x="0" y="0"/>
+          <a:ext cx="0" cy="0"/>
+          <a:chOff x="0" y="0"/>
+          <a:chExt cx="0" cy="0"/>
+        </a:xfrm>
+      </p:grpSpPr>
+      <p:sp>
+        <p:nvSpPr>
           <p:cNvPr id="4" name="標題 3"/>
           <p:cNvSpPr>
             <a:spLocks noGrp="1"/>
@@ -6942,7 +7016,7 @@
           <a:lstStyle/>
           <a:p>
             <a:r>
-              <a:rPr lang="en-US" altLang="zh-TW" dirty="0" smtClean="0">
+              <a:rPr lang="en-US" altLang="zh-TW" dirty="0">
                 <a:latin typeface="Cambria" panose="02040503050406030204" pitchFamily="18" charset="0"/>
                 <a:ea typeface="Cambria" panose="02040503050406030204" pitchFamily="18" charset="0"/>
               </a:rPr>
@@ -6966,7 +7040,7 @@
         </p:nvSpPr>
         <p:spPr>
           <a:xfrm>
-            <a:off x="731924" y="1912618"/>
+            <a:off x="731924" y="1568448"/>
             <a:ext cx="8596668" cy="3880773"/>
           </a:xfrm>
         </p:spPr>
@@ -6976,11 +7050,10 @@
           </a:bodyPr>
           <a:lstStyle/>
           <a:p>
-            <a:r>
-              <a:rPr lang="zh-TW" altLang="en-US" dirty="0" smtClean="0"/>
-              <a:t>將製作好的樣本搬移過來</a:t>
-            </a:r>
-            <a:endParaRPr lang="en-US" altLang="zh-TW" dirty="0" smtClean="0"/>
+            <a:pPr marL="0" indent="0">
+              <a:buNone/>
+            </a:pPr>
+            <a:endParaRPr lang="en-US" altLang="zh-TW" dirty="0"/>
           </a:p>
           <a:p>
             <a:r>
@@ -6992,10 +7065,10 @@
               <a:t>Run cell </a:t>
             </a:r>
             <a:r>
-              <a:rPr lang="zh-TW" altLang="en-US" dirty="0" smtClean="0"/>
+              <a:rPr lang="zh-TW" altLang="en-US" dirty="0"/>
               <a:t>鍵</a:t>
             </a:r>
-            <a:endParaRPr lang="en-US" altLang="zh-TW" dirty="0" smtClean="0"/>
+            <a:endParaRPr lang="en-US" altLang="zh-TW" dirty="0"/>
           </a:p>
           <a:p>
             <a:r>
@@ -7004,20 +7077,20 @@
             </a:r>
           </a:p>
           <a:p>
-            <a:endParaRPr lang="en-US" altLang="zh-TW" dirty="0" smtClean="0"/>
+            <a:endParaRPr lang="en-US" altLang="zh-TW" dirty="0"/>
           </a:p>
           <a:p>
             <a:pPr marL="0" indent="0">
               <a:buNone/>
             </a:pPr>
             <a:r>
-              <a:rPr lang="zh-TW" altLang="en-US" dirty="0" smtClean="0"/>
+              <a:rPr lang="zh-TW" altLang="en-US" dirty="0"/>
               <a:t>  </a:t>
             </a:r>
             <a:endParaRPr lang="en-US" altLang="zh-TW" dirty="0"/>
           </a:p>
           <a:p>
-            <a:endParaRPr lang="en-US" altLang="zh-TW" dirty="0" smtClean="0"/>
+            <a:endParaRPr lang="en-US" altLang="zh-TW" dirty="0"/>
           </a:p>
           <a:p>
             <a:pPr marL="0" indent="0">
@@ -7030,42 +7103,34 @@
               <a:buNone/>
             </a:pPr>
             <a:r>
-              <a:rPr lang="zh-TW" altLang="en-US" dirty="0" smtClean="0"/>
-              <a:t>    接著選擇</a:t>
-            </a:r>
-            <a:r>
               <a:rPr lang="zh-TW" altLang="en-US" dirty="0"/>
-              <a:t>帳戶後複製</a:t>
-            </a:r>
-            <a:r>
-              <a:rPr lang="zh-TW" altLang="en-US" dirty="0" smtClean="0"/>
-              <a:t>以下網址至上圖長形空格中</a:t>
+              <a:t>    接著選擇帳戶後複製以下網址至上圖長形空格中</a:t>
             </a:r>
             <a:endParaRPr lang="en-US" altLang="zh-TW" dirty="0"/>
           </a:p>
           <a:p>
-            <a:endParaRPr lang="en-US" altLang="zh-TW" dirty="0" smtClean="0"/>
-          </a:p>
-          <a:p>
             <a:endParaRPr lang="en-US" altLang="zh-TW" dirty="0"/>
           </a:p>
           <a:p>
-            <a:endParaRPr lang="en-US" altLang="zh-TW" dirty="0" smtClean="0"/>
-          </a:p>
-          <a:p>
-            <a:endParaRPr lang="en-US" altLang="zh-TW" dirty="0" smtClean="0"/>
+            <a:endParaRPr lang="en-US" altLang="zh-TW" dirty="0"/>
+          </a:p>
+          <a:p>
+            <a:endParaRPr lang="en-US" altLang="zh-TW" dirty="0"/>
+          </a:p>
+          <a:p>
+            <a:endParaRPr lang="en-US" altLang="zh-TW" dirty="0"/>
           </a:p>
           <a:p>
             <a:pPr marL="0" indent="0">
               <a:buNone/>
             </a:pPr>
-            <a:endParaRPr lang="en-US" altLang="zh-TW" dirty="0" smtClean="0"/>
-          </a:p>
-          <a:p>
-            <a:endParaRPr lang="en-US" altLang="zh-TW" dirty="0" smtClean="0"/>
-          </a:p>
-          <a:p>
-            <a:endParaRPr lang="en-US" altLang="zh-TW" dirty="0" smtClean="0"/>
+            <a:endParaRPr lang="en-US" altLang="zh-TW" dirty="0"/>
+          </a:p>
+          <a:p>
+            <a:endParaRPr lang="en-US" altLang="zh-TW" dirty="0"/>
+          </a:p>
+          <a:p>
+            <a:endParaRPr lang="en-US" altLang="zh-TW" dirty="0"/>
           </a:p>
           <a:p>
             <a:endParaRPr lang="zh-TW" altLang="en-US" dirty="0"/>
@@ -7088,7 +7153,7 @@
         </p:blipFill>
         <p:spPr>
           <a:xfrm>
-            <a:off x="1089381" y="3197364"/>
+            <a:off x="999211" y="2853194"/>
             <a:ext cx="5286375" cy="1311280"/>
           </a:xfrm>
           <a:prstGeom prst="rect">
@@ -7112,7 +7177,7 @@
         </p:blipFill>
         <p:spPr>
           <a:xfrm>
-            <a:off x="1089381" y="5207966"/>
+            <a:off x="1089381" y="4948886"/>
             <a:ext cx="4276725" cy="948436"/>
           </a:xfrm>
           <a:prstGeom prst="rect">
@@ -7128,7 +7193,7 @@
         </p:nvGrpSpPr>
         <p:grpSpPr>
           <a:xfrm>
-            <a:off x="2129051" y="2297440"/>
+            <a:off x="2129051" y="1947555"/>
             <a:ext cx="395785" cy="382137"/>
             <a:chOff x="3152633" y="2866030"/>
             <a:chExt cx="395785" cy="382137"/>
@@ -7224,7 +7289,7 @@
         </p:nvSpPr>
         <p:spPr>
           <a:xfrm>
-            <a:off x="5411302" y="5682184"/>
+            <a:off x="5366217" y="5449139"/>
             <a:ext cx="3209533" cy="369332"/>
           </a:xfrm>
           <a:prstGeom prst="rect">
@@ -7239,7 +7304,7 @@
           <a:lstStyle/>
           <a:p>
             <a:r>
-              <a:rPr lang="en-US" altLang="zh-TW" dirty="0" smtClean="0">
+              <a:rPr lang="en-US" altLang="zh-TW" dirty="0">
                 <a:solidFill>
                   <a:schemeClr val="accent5"/>
                 </a:solidFill>
@@ -7247,7 +7312,7 @@
               <a:t>(</a:t>
             </a:r>
             <a:r>
-              <a:rPr lang="zh-TW" altLang="en-US" dirty="0" smtClean="0">
+              <a:rPr lang="zh-TW" altLang="en-US" dirty="0">
                 <a:solidFill>
                   <a:schemeClr val="accent5"/>
                 </a:solidFill>
@@ -7255,7 +7320,7 @@
               <a:t>每個人的授權碼皆不相同喔</a:t>
             </a:r>
             <a:r>
-              <a:rPr lang="en-US" altLang="zh-TW" dirty="0" smtClean="0">
+              <a:rPr lang="en-US" altLang="zh-TW" dirty="0">
                 <a:solidFill>
                   <a:schemeClr val="accent5"/>
                 </a:solidFill>
@@ -7278,7 +7343,7 @@
         </p:nvCxnSpPr>
         <p:spPr>
           <a:xfrm>
-            <a:off x="1238250" y="5958386"/>
+            <a:off x="1238250" y="5708196"/>
             <a:ext cx="3657600" cy="0"/>
           </a:xfrm>
           <a:prstGeom prst="line">
@@ -7308,7 +7373,7 @@
         </p:nvCxnSpPr>
         <p:spPr>
           <a:xfrm>
-            <a:off x="1238250" y="6156402"/>
+            <a:off x="1238250" y="5897957"/>
             <a:ext cx="1010218" cy="0"/>
           </a:xfrm>
           <a:prstGeom prst="line">
@@ -7331,175 +7396,10 @@
         </p:style>
       </p:cxnSp>
     </p:spTree>
-    <p:extLst>
-      <p:ext uri="{BB962C8B-B14F-4D97-AF65-F5344CB8AC3E}">
-        <p14:creationId xmlns:p14="http://schemas.microsoft.com/office/powerpoint/2010/main" val="338040742"/>
-      </p:ext>
-    </p:extLst>
   </p:cSld>
   <p:clrMapOvr>
     <a:masterClrMapping/>
   </p:clrMapOvr>
-  <p:timing>
-    <p:tnLst>
-      <p:par>
-        <p:cTn id="1" dur="indefinite" restart="never" nodeType="tmRoot"/>
-      </p:par>
-    </p:tnLst>
-  </p:timing>
-</p:sld>
-</file>
-
-<file path=ppt/slides/slide2.xml><?xml version="1.0" encoding="utf-8"?>
-<p:sld xmlns:a="http://schemas.openxmlformats.org/drawingml/2006/main" xmlns:r="http://schemas.openxmlformats.org/officeDocument/2006/relationships" xmlns:p="http://schemas.openxmlformats.org/presentationml/2006/main">
-  <p:cSld>
-    <p:spTree>
-      <p:nvGrpSpPr>
-        <p:cNvPr id="1" name=""/>
-        <p:cNvGrpSpPr/>
-        <p:nvPr/>
-      </p:nvGrpSpPr>
-      <p:grpSpPr>
-        <a:xfrm>
-          <a:off x="0" y="0"/>
-          <a:ext cx="0" cy="0"/>
-          <a:chOff x="0" y="0"/>
-          <a:chExt cx="0" cy="0"/>
-        </a:xfrm>
-      </p:grpSpPr>
-      <p:sp>
-        <p:nvSpPr>
-          <p:cNvPr id="2" name="標題 1"/>
-          <p:cNvSpPr>
-            <a:spLocks noGrp="1"/>
-          </p:cNvSpPr>
-          <p:nvPr>
-            <p:ph type="title"/>
-          </p:nvPr>
-        </p:nvSpPr>
-        <p:spPr/>
-        <p:txBody>
-          <a:bodyPr/>
-          <a:lstStyle/>
-          <a:p>
-            <a:r>
-              <a:rPr lang="en-US" altLang="zh-TW" dirty="0" smtClean="0">
-                <a:latin typeface="Cambria" panose="02040503050406030204" pitchFamily="18" charset="0"/>
-                <a:ea typeface="Cambria" panose="02040503050406030204" pitchFamily="18" charset="0"/>
-              </a:rPr>
-              <a:t> Install </a:t>
-            </a:r>
-            <a:r>
-              <a:rPr lang="en-US" altLang="zh-TW" dirty="0" err="1" smtClean="0">
-                <a:latin typeface="Cambria" panose="02040503050406030204" pitchFamily="18" charset="0"/>
-                <a:ea typeface="Cambria" panose="02040503050406030204" pitchFamily="18" charset="0"/>
-              </a:rPr>
-              <a:t>Tensorflow</a:t>
-            </a:r>
-            <a:r>
-              <a:rPr lang="en-US" altLang="zh-TW" dirty="0" smtClean="0">
-                <a:latin typeface="Cambria" panose="02040503050406030204" pitchFamily="18" charset="0"/>
-                <a:ea typeface="Cambria" panose="02040503050406030204" pitchFamily="18" charset="0"/>
-              </a:rPr>
-              <a:t> , </a:t>
-            </a:r>
-            <a:r>
-              <a:rPr lang="en-US" altLang="zh-TW" dirty="0" err="1" smtClean="0">
-                <a:latin typeface="Cambria" panose="02040503050406030204" pitchFamily="18" charset="0"/>
-                <a:ea typeface="Cambria" panose="02040503050406030204" pitchFamily="18" charset="0"/>
-              </a:rPr>
-              <a:t>Keras</a:t>
-            </a:r>
-            <a:r>
-              <a:rPr lang="en-US" altLang="zh-TW" dirty="0" smtClean="0">
-                <a:latin typeface="Cambria" panose="02040503050406030204" pitchFamily="18" charset="0"/>
-                <a:ea typeface="Cambria" panose="02040503050406030204" pitchFamily="18" charset="0"/>
-              </a:rPr>
-              <a:t> and </a:t>
-            </a:r>
-            <a:r>
-              <a:rPr lang="en-US" altLang="zh-TW" dirty="0" err="1" smtClean="0">
-                <a:latin typeface="Cambria" panose="02040503050406030204" pitchFamily="18" charset="0"/>
-                <a:ea typeface="Cambria" panose="02040503050406030204" pitchFamily="18" charset="0"/>
-              </a:rPr>
-              <a:t>ImageAi</a:t>
-            </a:r>
-            <a:endParaRPr lang="zh-TW" altLang="en-US" dirty="0">
-              <a:latin typeface="Cambria" panose="02040503050406030204" pitchFamily="18" charset="0"/>
-            </a:endParaRPr>
-          </a:p>
-        </p:txBody>
-      </p:sp>
-      <p:sp>
-        <p:nvSpPr>
-          <p:cNvPr id="3" name="內容版面配置區 2"/>
-          <p:cNvSpPr>
-            <a:spLocks noGrp="1"/>
-          </p:cNvSpPr>
-          <p:nvPr>
-            <p:ph idx="1"/>
-          </p:nvPr>
-        </p:nvSpPr>
-        <p:spPr/>
-        <p:txBody>
-          <a:bodyPr/>
-          <a:lstStyle/>
-          <a:p>
-            <a:r>
-              <a:rPr lang="zh-TW" altLang="en-US" dirty="0" smtClean="0"/>
-              <a:t>將機器學習的軟體安裝至</a:t>
-            </a:r>
-            <a:r>
-              <a:rPr lang="en-US" altLang="zh-TW" dirty="0" err="1" smtClean="0"/>
-              <a:t>Colab</a:t>
-            </a:r>
-            <a:endParaRPr lang="en-US" altLang="zh-TW" dirty="0" smtClean="0"/>
-          </a:p>
-          <a:p>
-            <a:pPr marL="0" indent="0">
-              <a:buNone/>
-            </a:pPr>
-            <a:r>
-              <a:rPr lang="en-US" altLang="zh-TW" dirty="0" smtClean="0"/>
-              <a:t>(</a:t>
-            </a:r>
-            <a:r>
-              <a:rPr lang="zh-TW" altLang="en-US" dirty="0" smtClean="0"/>
-              <a:t>別以為</a:t>
-            </a:r>
-            <a:r>
-              <a:rPr lang="en-US" altLang="zh-TW" dirty="0" err="1" smtClean="0"/>
-              <a:t>Colab</a:t>
-            </a:r>
-            <a:r>
-              <a:rPr lang="zh-TW" altLang="en-US" dirty="0" smtClean="0"/>
-              <a:t>是一程式或網頁喔！它其實是台電腦</a:t>
-            </a:r>
-            <a:r>
-              <a:rPr lang="en-US" altLang="zh-TW" dirty="0" smtClean="0"/>
-              <a:t>!)</a:t>
-            </a:r>
-            <a:endParaRPr lang="zh-TW" altLang="en-US" dirty="0"/>
-          </a:p>
-        </p:txBody>
-      </p:sp>
-    </p:spTree>
-    <p:extLst>
-      <p:ext uri="{BB962C8B-B14F-4D97-AF65-F5344CB8AC3E}">
-        <p14:creationId xmlns:p14="http://schemas.microsoft.com/office/powerpoint/2010/main" val="2323797058"/>
-      </p:ext>
-    </p:extLst>
-  </p:cSld>
-  <p:clrMapOvr>
-    <a:masterClrMapping/>
-  </p:clrMapOvr>
-  <p:timing>
-    <p:tnLst>
-      <p:par>
-        <p:cTn id="1" dur="indefinite" restart="never" nodeType="tmRoot"/>
-      </p:par>
-    </p:tnLst>
-  </p:timing>
 </p:sld>
 </file>
 
@@ -7536,7 +7436,148 @@
           <a:lstStyle/>
           <a:p>
             <a:r>
-              <a:rPr lang="en-US" altLang="zh-TW" dirty="0" smtClean="0">
+              <a:rPr lang="en-US" altLang="zh-TW" dirty="0">
+                <a:latin typeface="Cambria" panose="02040503050406030204" pitchFamily="18" charset="0"/>
+                <a:ea typeface="Cambria" panose="02040503050406030204" pitchFamily="18" charset="0"/>
+              </a:rPr>
+              <a:t> Install </a:t>
+            </a:r>
+            <a:r>
+              <a:rPr lang="en-US" altLang="zh-TW" dirty="0" err="1">
+                <a:latin typeface="Cambria" panose="02040503050406030204" pitchFamily="18" charset="0"/>
+                <a:ea typeface="Cambria" panose="02040503050406030204" pitchFamily="18" charset="0"/>
+              </a:rPr>
+              <a:t>Tensorflow</a:t>
+            </a:r>
+            <a:r>
+              <a:rPr lang="en-US" altLang="zh-TW" dirty="0">
+                <a:latin typeface="Cambria" panose="02040503050406030204" pitchFamily="18" charset="0"/>
+                <a:ea typeface="Cambria" panose="02040503050406030204" pitchFamily="18" charset="0"/>
+              </a:rPr>
+              <a:t> , </a:t>
+            </a:r>
+            <a:r>
+              <a:rPr lang="en-US" altLang="zh-TW" dirty="0" err="1">
+                <a:latin typeface="Cambria" panose="02040503050406030204" pitchFamily="18" charset="0"/>
+                <a:ea typeface="Cambria" panose="02040503050406030204" pitchFamily="18" charset="0"/>
+              </a:rPr>
+              <a:t>Keras</a:t>
+            </a:r>
+            <a:r>
+              <a:rPr lang="en-US" altLang="zh-TW" dirty="0">
+                <a:latin typeface="Cambria" panose="02040503050406030204" pitchFamily="18" charset="0"/>
+                <a:ea typeface="Cambria" panose="02040503050406030204" pitchFamily="18" charset="0"/>
+              </a:rPr>
+              <a:t> and </a:t>
+            </a:r>
+            <a:r>
+              <a:rPr lang="en-US" altLang="zh-TW" dirty="0" err="1">
+                <a:latin typeface="Cambria" panose="02040503050406030204" pitchFamily="18" charset="0"/>
+                <a:ea typeface="Cambria" panose="02040503050406030204" pitchFamily="18" charset="0"/>
+              </a:rPr>
+              <a:t>ImageAi</a:t>
+            </a:r>
+            <a:endParaRPr lang="zh-TW" altLang="en-US" dirty="0">
+              <a:latin typeface="Cambria" panose="02040503050406030204" pitchFamily="18" charset="0"/>
+            </a:endParaRPr>
+          </a:p>
+        </p:txBody>
+      </p:sp>
+      <p:sp>
+        <p:nvSpPr>
+          <p:cNvPr id="3" name="內容版面配置區 2"/>
+          <p:cNvSpPr>
+            <a:spLocks noGrp="1"/>
+          </p:cNvSpPr>
+          <p:nvPr>
+            <p:ph idx="1"/>
+          </p:nvPr>
+        </p:nvSpPr>
+        <p:spPr/>
+        <p:txBody>
+          <a:bodyPr/>
+          <a:lstStyle/>
+          <a:p>
+            <a:r>
+              <a:rPr lang="zh-TW" altLang="en-US" dirty="0"/>
+              <a:t>將機器學習的軟體安裝至</a:t>
+            </a:r>
+            <a:r>
+              <a:rPr lang="en-US" altLang="zh-TW" dirty="0" err="1"/>
+              <a:t>Colab</a:t>
+            </a:r>
+            <a:endParaRPr lang="en-US" altLang="zh-TW" dirty="0"/>
+          </a:p>
+          <a:p>
+            <a:pPr marL="0" indent="0">
+              <a:buNone/>
+            </a:pPr>
+            <a:r>
+              <a:rPr lang="en-US" altLang="zh-TW" dirty="0"/>
+              <a:t>(</a:t>
+            </a:r>
+            <a:r>
+              <a:rPr lang="zh-TW" altLang="en-US" dirty="0"/>
+              <a:t>別以為</a:t>
+            </a:r>
+            <a:r>
+              <a:rPr lang="en-US" altLang="zh-TW" dirty="0" err="1"/>
+              <a:t>Colab</a:t>
+            </a:r>
+            <a:r>
+              <a:rPr lang="zh-TW" altLang="en-US" dirty="0"/>
+              <a:t>是一程式或網頁喔！它其實是台電腦</a:t>
+            </a:r>
+            <a:r>
+              <a:rPr lang="en-US" altLang="zh-TW" dirty="0"/>
+              <a:t>!)</a:t>
+            </a:r>
+            <a:endParaRPr lang="zh-TW" altLang="en-US" dirty="0"/>
+          </a:p>
+        </p:txBody>
+      </p:sp>
+    </p:spTree>
+  </p:cSld>
+  <p:clrMapOvr>
+    <a:masterClrMapping/>
+  </p:clrMapOvr>
+</p:sld>
+</file>
+
+<file path=ppt/slides/slide4.xml><?xml version="1.0" encoding="utf-8"?>
+<p:sld xmlns:a="http://schemas.openxmlformats.org/drawingml/2006/main" xmlns:r="http://schemas.openxmlformats.org/officeDocument/2006/relationships" xmlns:p="http://schemas.openxmlformats.org/presentationml/2006/main">
+  <p:cSld>
+    <p:spTree>
+      <p:nvGrpSpPr>
+        <p:cNvPr id="1" name=""/>
+        <p:cNvGrpSpPr/>
+        <p:nvPr/>
+      </p:nvGrpSpPr>
+      <p:grpSpPr>
+        <a:xfrm>
+          <a:off x="0" y="0"/>
+          <a:ext cx="0" cy="0"/>
+          <a:chOff x="0" y="0"/>
+          <a:chExt cx="0" cy="0"/>
+        </a:xfrm>
+      </p:grpSpPr>
+      <p:sp>
+        <p:nvSpPr>
+          <p:cNvPr id="2" name="標題 1"/>
+          <p:cNvSpPr>
+            <a:spLocks noGrp="1"/>
+          </p:cNvSpPr>
+          <p:nvPr>
+            <p:ph type="title"/>
+          </p:nvPr>
+        </p:nvSpPr>
+        <p:spPr/>
+        <p:txBody>
+          <a:bodyPr/>
+          <a:lstStyle/>
+          <a:p>
+            <a:r>
+              <a:rPr lang="en-US" altLang="zh-TW" dirty="0">
                 <a:latin typeface="Cambria" panose="02040503050406030204" pitchFamily="18" charset="0"/>
                 <a:ea typeface="Cambria" panose="02040503050406030204" pitchFamily="18" charset="0"/>
               </a:rPr>
@@ -7566,19 +7607,19 @@
           <a:lstStyle/>
           <a:p>
             <a:r>
-              <a:rPr lang="zh-TW" altLang="en-US" dirty="0" smtClean="0"/>
+              <a:rPr lang="zh-TW" altLang="en-US" dirty="0"/>
               <a:t>進行機器學習</a:t>
             </a:r>
             <a:r>
-              <a:rPr lang="en-US" altLang="zh-TW" dirty="0" smtClean="0"/>
+              <a:rPr lang="en-US" altLang="zh-TW" dirty="0"/>
               <a:t>〔</a:t>
             </a:r>
             <a:r>
-              <a:rPr lang="en-US" altLang="zh-TW" dirty="0" err="1" smtClean="0"/>
+              <a:rPr lang="en-US" altLang="zh-TW" dirty="0" err="1"/>
               <a:t>stone,paper,scissors</a:t>
             </a:r>
             <a:r>
-              <a:rPr lang="en-US" altLang="zh-TW" dirty="0" smtClean="0"/>
+              <a:rPr lang="en-US" altLang="zh-TW" dirty="0"/>
               <a:t>〕</a:t>
             </a:r>
           </a:p>
@@ -7587,11 +7628,11 @@
               <a:buNone/>
             </a:pPr>
             <a:r>
-              <a:rPr lang="zh-TW" altLang="en-US" dirty="0" smtClean="0"/>
+              <a:rPr lang="zh-TW" altLang="en-US" dirty="0"/>
               <a:t>       </a:t>
             </a:r>
             <a:r>
-              <a:rPr lang="en-US" altLang="zh-TW" dirty="0" smtClean="0"/>
+              <a:rPr lang="en-US" altLang="zh-TW" dirty="0"/>
               <a:t>(</a:t>
             </a:r>
             <a:r>
@@ -7604,25 +7645,25 @@
             </a:r>
           </a:p>
           <a:p>
-            <a:endParaRPr lang="en-US" altLang="zh-TW" dirty="0" smtClean="0"/>
-          </a:p>
-          <a:p>
-            <a:endParaRPr lang="en-US" altLang="zh-TW" dirty="0" smtClean="0"/>
-          </a:p>
-          <a:p>
             <a:endParaRPr lang="en-US" altLang="zh-TW" dirty="0"/>
           </a:p>
           <a:p>
-            <a:endParaRPr lang="en-US" altLang="zh-TW" dirty="0" smtClean="0"/>
-          </a:p>
-          <a:p>
             <a:endParaRPr lang="en-US" altLang="zh-TW" dirty="0"/>
           </a:p>
           <a:p>
-            <a:endParaRPr lang="en-US" altLang="zh-TW" dirty="0" smtClean="0"/>
-          </a:p>
-          <a:p>
-            <a:endParaRPr lang="en-US" altLang="zh-TW" dirty="0" smtClean="0"/>
+            <a:endParaRPr lang="en-US" altLang="zh-TW" dirty="0"/>
+          </a:p>
+          <a:p>
+            <a:endParaRPr lang="en-US" altLang="zh-TW" dirty="0"/>
+          </a:p>
+          <a:p>
+            <a:endParaRPr lang="en-US" altLang="zh-TW" dirty="0"/>
+          </a:p>
+          <a:p>
+            <a:endParaRPr lang="en-US" altLang="zh-TW" dirty="0"/>
+          </a:p>
+          <a:p>
+            <a:endParaRPr lang="en-US" altLang="zh-TW" dirty="0"/>
           </a:p>
           <a:p>
             <a:pPr marL="0" indent="0">
@@ -7634,7 +7675,7 @@
             <a:pPr marL="0" indent="0">
               <a:buNone/>
             </a:pPr>
-            <a:endParaRPr lang="en-US" altLang="zh-TW" sz="1600" dirty="0" smtClean="0"/>
+            <a:endParaRPr lang="en-US" altLang="zh-TW" sz="1600" dirty="0"/>
           </a:p>
           <a:p>
             <a:pPr marL="0" indent="0">
@@ -7646,7 +7687,7 @@
             <a:pPr marL="0" indent="0">
               <a:buNone/>
             </a:pPr>
-            <a:endParaRPr lang="en-US" altLang="zh-TW" sz="1600" dirty="0" smtClean="0"/>
+            <a:endParaRPr lang="en-US" altLang="zh-TW" sz="1600" dirty="0"/>
           </a:p>
           <a:p>
             <a:pPr marL="0" indent="0">
@@ -7658,7 +7699,7 @@
             <a:pPr marL="0" indent="0">
               <a:buNone/>
             </a:pPr>
-            <a:endParaRPr lang="en-US" altLang="zh-TW" sz="1600" dirty="0" smtClean="0"/>
+            <a:endParaRPr lang="en-US" altLang="zh-TW" sz="1600" dirty="0"/>
           </a:p>
           <a:p>
             <a:pPr marL="0" indent="0">
@@ -7825,18 +7866,13 @@
           <a:lstStyle/>
           <a:p>
             <a:r>
-              <a:rPr lang="zh-TW" altLang="en-US" sz="1400" dirty="0" smtClean="0">
+              <a:rPr lang="zh-TW" altLang="en-US" sz="1400" dirty="0">
                 <a:solidFill>
                   <a:schemeClr val="accent5"/>
                 </a:solidFill>
               </a:rPr>
               <a:t>配合樣本製作時輸入的標籤內容</a:t>
             </a:r>
-            <a:endParaRPr lang="zh-TW" altLang="en-US" sz="1400" dirty="0">
-              <a:solidFill>
-                <a:schemeClr val="accent5"/>
-              </a:solidFill>
-            </a:endParaRPr>
           </a:p>
         </p:txBody>
       </p:sp>
@@ -7849,7 +7885,9 @@
         <p:blipFill rotWithShape="1">
           <a:blip r:embed="rId4"/>
           <a:srcRect l="6330" t="62044" b="9023"/>
-          <a:stretch/>
+          <a:stretch>
+            <a:fillRect/>
+          </a:stretch>
         </p:blipFill>
         <p:spPr bwMode="auto">
           <a:xfrm>
@@ -7863,11 +7901,6 @@
           <a:ln>
             <a:noFill/>
           </a:ln>
-          <a:extLst>
-            <a:ext uri="{53640926-AAD7-44D8-BBD7-CCE9431645EC}">
-              <a14:shadowObscured xmlns:a14="http://schemas.microsoft.com/office/drawing/2010/main"/>
-            </a:ext>
-          </a:extLst>
         </p:spPr>
       </p:pic>
       <p:sp>
@@ -7893,14 +7926,13 @@
           <a:lstStyle/>
           <a:p>
             <a:r>
-              <a:rPr lang="en-US" altLang="zh-TW" dirty="0" smtClean="0"/>
+              <a:rPr lang="en-US" altLang="zh-TW" dirty="0"/>
               <a:t>Training</a:t>
             </a:r>
             <a:r>
-              <a:rPr lang="zh-TW" altLang="en-US" dirty="0" smtClean="0"/>
+              <a:rPr lang="zh-TW" altLang="en-US" dirty="0"/>
               <a:t>結束後會看到的畫面▼</a:t>
             </a:r>
-            <a:endParaRPr lang="zh-TW" altLang="en-US" dirty="0"/>
           </a:p>
         </p:txBody>
       </p:sp>
@@ -7968,7 +8000,7 @@
           <a:lstStyle/>
           <a:p>
             <a:r>
-              <a:rPr lang="en-US" altLang="zh-TW" sz="1400" dirty="0" smtClean="0">
+              <a:rPr lang="en-US" altLang="zh-TW" sz="1400" dirty="0">
                 <a:solidFill>
                   <a:schemeClr val="accent5"/>
                 </a:solidFill>
@@ -7976,7 +8008,7 @@
               <a:t>(Epoch</a:t>
             </a:r>
             <a:r>
-              <a:rPr lang="zh-TW" altLang="en-US" sz="1400" dirty="0" smtClean="0">
+              <a:rPr lang="zh-TW" altLang="en-US" sz="1400" dirty="0">
                 <a:solidFill>
                   <a:schemeClr val="accent5"/>
                 </a:solidFill>
@@ -7984,7 +8016,7 @@
               <a:t>為</a:t>
             </a:r>
             <a:r>
-              <a:rPr lang="en-US" altLang="zh-TW" sz="1400" dirty="0" smtClean="0">
+              <a:rPr lang="en-US" altLang="zh-TW" sz="1400" dirty="0">
                 <a:solidFill>
                   <a:schemeClr val="accent5"/>
                 </a:solidFill>
@@ -8000,26 +8032,14 @@
         </p:txBody>
       </p:sp>
     </p:spTree>
-    <p:extLst>
-      <p:ext uri="{BB962C8B-B14F-4D97-AF65-F5344CB8AC3E}">
-        <p14:creationId xmlns:p14="http://schemas.microsoft.com/office/powerpoint/2010/main" val="3871332821"/>
-      </p:ext>
-    </p:extLst>
   </p:cSld>
   <p:clrMapOvr>
     <a:masterClrMapping/>
   </p:clrMapOvr>
-  <p:timing>
-    <p:tnLst>
-      <p:par>
-        <p:cTn id="1" dur="indefinite" restart="never" nodeType="tmRoot"/>
-      </p:par>
-    </p:tnLst>
-  </p:timing>
 </p:sld>
 </file>
 
-<file path=ppt/slides/slide4.xml><?xml version="1.0" encoding="utf-8"?>
+<file path=ppt/slides/slide5.xml><?xml version="1.0" encoding="utf-8"?>
 <p:sld xmlns:a="http://schemas.openxmlformats.org/drawingml/2006/main" xmlns:r="http://schemas.openxmlformats.org/officeDocument/2006/relationships" xmlns:p="http://schemas.openxmlformats.org/presentationml/2006/main">
   <p:cSld>
     <p:spTree>
@@ -8054,40 +8074,37 @@
           <a:lstStyle/>
           <a:p>
             <a:r>
-              <a:rPr lang="zh-TW" altLang="en-US" sz="3200" dirty="0" smtClean="0">
+              <a:rPr lang="zh-TW" altLang="en-US" sz="3200" dirty="0">
                 <a:latin typeface="Cambria" panose="02040503050406030204" pitchFamily="18" charset="0"/>
               </a:rPr>
               <a:t>       上傳到</a:t>
             </a:r>
             <a:r>
-              <a:rPr lang="en-US" altLang="zh-TW" sz="3200" dirty="0" smtClean="0">
+              <a:rPr lang="en-US" altLang="zh-TW" sz="3200" dirty="0">
                 <a:latin typeface="Cambria" panose="02040503050406030204" pitchFamily="18" charset="0"/>
                 <a:ea typeface="Cambria" panose="02040503050406030204" pitchFamily="18" charset="0"/>
               </a:rPr>
               <a:t>Google</a:t>
             </a:r>
             <a:r>
-              <a:rPr lang="zh-TW" altLang="en-US" sz="3200" dirty="0" smtClean="0">
+              <a:rPr lang="zh-TW" altLang="en-US" sz="3200" dirty="0">
                 <a:latin typeface="Cambria" panose="02040503050406030204" pitchFamily="18" charset="0"/>
               </a:rPr>
               <a:t> </a:t>
             </a:r>
             <a:r>
-              <a:rPr lang="en-US" altLang="zh-TW" sz="3200" dirty="0" smtClean="0">
+              <a:rPr lang="en-US" altLang="zh-TW" sz="3200" dirty="0">
                 <a:latin typeface="Cambria" panose="02040503050406030204" pitchFamily="18" charset="0"/>
                 <a:ea typeface="Cambria" panose="02040503050406030204" pitchFamily="18" charset="0"/>
               </a:rPr>
               <a:t>Drive,</a:t>
             </a:r>
             <a:r>
-              <a:rPr lang="zh-TW" altLang="en-US" sz="3200" dirty="0" smtClean="0">
+              <a:rPr lang="zh-TW" altLang="en-US" sz="3200" dirty="0">
                 <a:latin typeface="Cambria" panose="02040503050406030204" pitchFamily="18" charset="0"/>
               </a:rPr>
               <a:t>提供全班下載</a:t>
             </a:r>
-            <a:endParaRPr lang="zh-TW" altLang="en-US" sz="3200" dirty="0">
-              <a:latin typeface="Cambria" panose="02040503050406030204" pitchFamily="18" charset="0"/>
-            </a:endParaRPr>
           </a:p>
         </p:txBody>
       </p:sp>
@@ -8107,69 +8124,60 @@
           <a:lstStyle/>
           <a:p>
             <a:r>
-              <a:rPr lang="zh-TW" altLang="en-US" dirty="0" smtClean="0"/>
+              <a:rPr lang="zh-TW" altLang="en-US" dirty="0"/>
               <a:t>點選        </a:t>
             </a:r>
             <a:r>
-              <a:rPr lang="en-US" altLang="zh-TW" dirty="0" smtClean="0"/>
+              <a:rPr lang="en-US" altLang="zh-TW" dirty="0"/>
               <a:t>Run cell </a:t>
             </a:r>
             <a:r>
-              <a:rPr lang="zh-TW" altLang="en-US" dirty="0" smtClean="0"/>
+              <a:rPr lang="zh-TW" altLang="en-US" dirty="0"/>
               <a:t>鍵</a:t>
             </a:r>
-            <a:endParaRPr lang="en-US" altLang="zh-TW" dirty="0" smtClean="0"/>
-          </a:p>
-          <a:p>
-            <a:r>
-              <a:rPr lang="zh-TW" altLang="en-US" dirty="0" smtClean="0"/>
+            <a:endParaRPr lang="en-US" altLang="zh-TW" dirty="0"/>
+          </a:p>
+          <a:p>
+            <a:r>
+              <a:rPr lang="zh-TW" altLang="en-US" dirty="0"/>
               <a:t>執行完後共會有</a:t>
             </a:r>
             <a:r>
-              <a:rPr lang="en-US" altLang="zh-TW" dirty="0" smtClean="0"/>
+              <a:rPr lang="en-US" altLang="zh-TW" dirty="0"/>
               <a:t>12</a:t>
             </a:r>
             <a:r>
-              <a:rPr lang="zh-TW" altLang="en-US" dirty="0" smtClean="0"/>
+              <a:rPr lang="zh-TW" altLang="en-US" dirty="0"/>
               <a:t>個</a:t>
             </a:r>
             <a:r>
-              <a:rPr lang="en-US" altLang="zh-TW" dirty="0" smtClean="0"/>
+              <a:rPr lang="en-US" altLang="zh-TW" dirty="0"/>
               <a:t>.h5</a:t>
             </a:r>
             <a:r>
-              <a:rPr lang="zh-TW" altLang="en-US" dirty="0" smtClean="0"/>
+              <a:rPr lang="zh-TW" altLang="en-US" dirty="0"/>
               <a:t>檔案，</a:t>
             </a:r>
-            <a:endParaRPr lang="en-US" altLang="zh-TW" dirty="0" smtClean="0"/>
+            <a:endParaRPr lang="en-US" altLang="zh-TW" dirty="0"/>
           </a:p>
           <a:p>
             <a:pPr marL="0" indent="0">
               <a:buNone/>
             </a:pPr>
             <a:r>
-              <a:rPr lang="zh-TW" altLang="en-US" dirty="0" smtClean="0"/>
-              <a:t>選取下圖中框選的部分複製貼上至下方框選的空格</a:t>
-            </a:r>
-            <a:r>
               <a:rPr lang="zh-TW" altLang="en-US" dirty="0"/>
-              <a:t>中</a:t>
-            </a:r>
-            <a:r>
-              <a:rPr lang="zh-TW" altLang="en-US" dirty="0" smtClean="0"/>
-              <a:t>   </a:t>
-            </a:r>
-            <a:endParaRPr lang="en-US" altLang="zh-TW" dirty="0" smtClean="0"/>
+              <a:t>選取下圖中框選的部分複製貼上至下方框選的空格中   </a:t>
+            </a:r>
+            <a:endParaRPr lang="en-US" altLang="zh-TW" dirty="0"/>
           </a:p>
           <a:p>
             <a:pPr marL="0" indent="0">
               <a:buNone/>
             </a:pPr>
             <a:r>
-              <a:rPr lang="zh-TW" altLang="en-US" dirty="0" smtClean="0"/>
+              <a:rPr lang="zh-TW" altLang="en-US" dirty="0"/>
               <a:t>     </a:t>
             </a:r>
-            <a:endParaRPr lang="zh-TW" altLang="en-US" dirty="0"/>
           </a:p>
         </p:txBody>
       </p:sp>
@@ -8278,7 +8286,9 @@
         <p:blipFill rotWithShape="1">
           <a:blip r:embed="rId2"/>
           <a:srcRect l="2712" t="61723" b="6130"/>
-          <a:stretch/>
+          <a:stretch>
+            <a:fillRect/>
+          </a:stretch>
         </p:blipFill>
         <p:spPr bwMode="auto">
           <a:xfrm>
@@ -8292,11 +8302,6 @@
           <a:ln>
             <a:noFill/>
           </a:ln>
-          <a:extLst>
-            <a:ext uri="{53640926-AAD7-44D8-BBD7-CCE9431645EC}">
-              <a14:shadowObscured xmlns:a14="http://schemas.microsoft.com/office/drawing/2010/main"/>
-            </a:ext>
-          </a:extLst>
         </p:spPr>
       </p:pic>
       <p:sp>
@@ -8468,213 +8473,10 @@
         </p:txBody>
       </p:sp>
     </p:spTree>
-    <p:extLst>
-      <p:ext uri="{BB962C8B-B14F-4D97-AF65-F5344CB8AC3E}">
-        <p14:creationId xmlns:p14="http://schemas.microsoft.com/office/powerpoint/2010/main" val="3769248125"/>
-      </p:ext>
-    </p:extLst>
   </p:cSld>
   <p:clrMapOvr>
     <a:masterClrMapping/>
   </p:clrMapOvr>
-  <p:timing>
-    <p:tnLst>
-      <p:par>
-        <p:cTn id="1" dur="indefinite" restart="never" nodeType="tmRoot"/>
-      </p:par>
-    </p:tnLst>
-  </p:timing>
-</p:sld>
-</file>
-
-<file path=ppt/slides/slide5.xml><?xml version="1.0" encoding="utf-8"?>
-<p:sld xmlns:a="http://schemas.openxmlformats.org/drawingml/2006/main" xmlns:r="http://schemas.openxmlformats.org/officeDocument/2006/relationships" xmlns:p="http://schemas.openxmlformats.org/presentationml/2006/main">
-  <p:cSld>
-    <p:spTree>
-      <p:nvGrpSpPr>
-        <p:cNvPr id="1" name=""/>
-        <p:cNvGrpSpPr/>
-        <p:nvPr/>
-      </p:nvGrpSpPr>
-      <p:grpSpPr>
-        <a:xfrm>
-          <a:off x="0" y="0"/>
-          <a:ext cx="0" cy="0"/>
-          <a:chOff x="0" y="0"/>
-          <a:chExt cx="0" cy="0"/>
-        </a:xfrm>
-      </p:grpSpPr>
-      <p:sp>
-        <p:nvSpPr>
-          <p:cNvPr id="2" name="標題 1"/>
-          <p:cNvSpPr>
-            <a:spLocks noGrp="1"/>
-          </p:cNvSpPr>
-          <p:nvPr>
-            <p:ph type="title"/>
-          </p:nvPr>
-        </p:nvSpPr>
-        <p:spPr/>
-        <p:txBody>
-          <a:bodyPr anchor="ctr" anchorCtr="1"/>
-          <a:lstStyle/>
-          <a:p>
-            <a:r>
-              <a:rPr lang="zh-TW" altLang="en-US" dirty="0" smtClean="0"/>
-              <a:t>指令補充 </a:t>
-            </a:r>
-            <a:endParaRPr lang="zh-TW" altLang="en-US" dirty="0"/>
-          </a:p>
-        </p:txBody>
-      </p:sp>
-      <p:sp>
-        <p:nvSpPr>
-          <p:cNvPr id="3" name="內容版面配置區 2"/>
-          <p:cNvSpPr>
-            <a:spLocks noGrp="1"/>
-          </p:cNvSpPr>
-          <p:nvPr>
-            <p:ph idx="1"/>
-          </p:nvPr>
-        </p:nvSpPr>
-        <p:spPr/>
-        <p:txBody>
-          <a:bodyPr/>
-          <a:lstStyle/>
-          <a:p>
-            <a:r>
-              <a:rPr lang="en-US" altLang="zh-TW" dirty="0" err="1" smtClean="0"/>
-              <a:t>Cp</a:t>
-            </a:r>
-            <a:r>
-              <a:rPr lang="en-US" altLang="zh-TW" dirty="0" smtClean="0"/>
-              <a:t>:</a:t>
-            </a:r>
-            <a:r>
-              <a:rPr lang="zh-TW" altLang="en-US" dirty="0" smtClean="0"/>
-              <a:t> 主要</a:t>
-            </a:r>
-            <a:r>
-              <a:rPr lang="zh-TW" altLang="en-US" dirty="0"/>
-              <a:t>用於複製檔案或</a:t>
-            </a:r>
-            <a:r>
-              <a:rPr lang="zh-TW" altLang="en-US" dirty="0" smtClean="0"/>
-              <a:t>目錄</a:t>
-            </a:r>
-            <a:endParaRPr lang="en-US" altLang="zh-TW" dirty="0" smtClean="0"/>
-          </a:p>
-          <a:p>
-            <a:pPr marL="0" indent="0">
-              <a:buNone/>
-            </a:pPr>
-            <a:r>
-              <a:rPr lang="zh-TW" altLang="en-US" smtClean="0"/>
-              <a:t>       </a:t>
-            </a:r>
-            <a:r>
-              <a:rPr lang="en-US" altLang="zh-TW" smtClean="0"/>
-              <a:t>R</a:t>
-            </a:r>
-            <a:r>
-              <a:rPr lang="en-US" altLang="zh-TW" dirty="0" smtClean="0"/>
-              <a:t>:</a:t>
-            </a:r>
-            <a:r>
-              <a:rPr lang="zh-TW" altLang="en-US" dirty="0" smtClean="0"/>
-              <a:t> 若</a:t>
-            </a:r>
-            <a:r>
-              <a:rPr lang="zh-TW" altLang="en-US" dirty="0"/>
-              <a:t>給出的源檔案是一個目錄檔案，此時將複製該目錄下所有的子目錄和</a:t>
-            </a:r>
-            <a:r>
-              <a:rPr lang="zh-TW" altLang="en-US" dirty="0" smtClean="0"/>
-              <a:t>檔案</a:t>
-            </a:r>
-            <a:endParaRPr lang="en-US" altLang="zh-TW" dirty="0" smtClean="0"/>
-          </a:p>
-          <a:p>
-            <a:r>
-              <a:rPr lang="en-US" altLang="zh-TW" dirty="0" err="1" smtClean="0"/>
-              <a:t>mkdir</a:t>
-            </a:r>
-            <a:r>
-              <a:rPr lang="en-US" altLang="zh-TW" dirty="0" smtClean="0"/>
-              <a:t>:</a:t>
-            </a:r>
-            <a:r>
-              <a:rPr lang="zh-TW" altLang="en-US" dirty="0" smtClean="0"/>
-              <a:t> 即</a:t>
-            </a:r>
-            <a:r>
-              <a:rPr lang="zh-TW" altLang="en-US" dirty="0"/>
-              <a:t>英文“</a:t>
-            </a:r>
-            <a:r>
-              <a:rPr lang="en-US" altLang="zh-TW" dirty="0"/>
-              <a:t>make directory” </a:t>
-            </a:r>
-            <a:r>
-              <a:rPr lang="zh-TW" altLang="en-US" dirty="0"/>
-              <a:t>的</a:t>
-            </a:r>
-            <a:r>
-              <a:rPr lang="zh-TW" altLang="en-US" dirty="0" smtClean="0"/>
-              <a:t>簡寫，是在</a:t>
-            </a:r>
-            <a:r>
-              <a:rPr lang="zh-TW" altLang="en-US" dirty="0"/>
-              <a:t>檔案系統建立目錄的</a:t>
-            </a:r>
-            <a:r>
-              <a:rPr lang="zh-TW" altLang="en-US" b="1" dirty="0" smtClean="0"/>
-              <a:t>指令</a:t>
-            </a:r>
-            <a:endParaRPr lang="en-US" altLang="zh-TW" b="1" dirty="0" smtClean="0"/>
-          </a:p>
-          <a:p>
-            <a:r>
-              <a:rPr lang="en-US" altLang="zh-TW" dirty="0" smtClean="0"/>
-              <a:t>ls:</a:t>
-            </a:r>
-            <a:r>
-              <a:rPr lang="zh-TW" altLang="en-US" dirty="0" smtClean="0"/>
-              <a:t> 列出</a:t>
-            </a:r>
-            <a:r>
-              <a:rPr lang="zh-TW" altLang="en-US" dirty="0"/>
-              <a:t>目前目錄中的檔案與目錄</a:t>
-            </a:r>
-            <a:r>
-              <a:rPr lang="zh-TW" altLang="en-US" dirty="0" smtClean="0"/>
-              <a:t>列表，為最</a:t>
-            </a:r>
-            <a:r>
-              <a:rPr lang="zh-TW" altLang="en-US" dirty="0"/>
-              <a:t>常被使用的指令之一</a:t>
-            </a:r>
-            <a:endParaRPr lang="zh-TW" altLang="en-US" dirty="0"/>
-          </a:p>
-        </p:txBody>
-      </p:sp>
-    </p:spTree>
-    <p:extLst>
-      <p:ext uri="{BB962C8B-B14F-4D97-AF65-F5344CB8AC3E}">
-        <p14:creationId xmlns:p14="http://schemas.microsoft.com/office/powerpoint/2010/main" val="317927700"/>
-      </p:ext>
-    </p:extLst>
-  </p:cSld>
-  <p:clrMapOvr>
-    <a:masterClrMapping/>
-  </p:clrMapOvr>
-  <p:timing>
-    <p:tnLst>
-      <p:par>
-        <p:cTn id="1" dur="indefinite" restart="never" nodeType="tmRoot"/>
-      </p:par>
-    </p:tnLst>
-  </p:timing>
 </p:sld>
 </file>
 
@@ -8711,12 +8513,8 @@
           <a:lstStyle/>
           <a:p>
             <a:r>
-              <a:rPr lang="zh-TW" altLang="en-US" dirty="0" smtClean="0"/>
-              <a:t>動腦</a:t>
-            </a:r>
-            <a:r>
               <a:rPr lang="zh-TW" altLang="en-US" dirty="0"/>
-              <a:t>時間</a:t>
+              <a:t>指令補充 </a:t>
             </a:r>
           </a:p>
         </p:txBody>
@@ -8737,19 +8535,156 @@
           <a:lstStyle/>
           <a:p>
             <a:r>
-              <a:rPr lang="zh-TW" altLang="en-US" dirty="0" smtClean="0"/>
+              <a:rPr lang="en-US" altLang="zh-TW" dirty="0" err="1"/>
+              <a:t>Cp</a:t>
+            </a:r>
+            <a:r>
+              <a:rPr lang="en-US" altLang="zh-TW" dirty="0"/>
+              <a:t>:</a:t>
+            </a:r>
+            <a:r>
+              <a:rPr lang="zh-TW" altLang="en-US" dirty="0"/>
+              <a:t> 主要用於複製檔案或目錄</a:t>
+            </a:r>
+            <a:endParaRPr lang="en-US" altLang="zh-TW" dirty="0"/>
+          </a:p>
+          <a:p>
+            <a:pPr marL="0" indent="0">
+              <a:buNone/>
+            </a:pPr>
+            <a:r>
+              <a:rPr lang="zh-TW" altLang="en-US"/>
+              <a:t>       </a:t>
+            </a:r>
+            <a:r>
+              <a:rPr lang="en-US" altLang="zh-TW"/>
+              <a:t>R</a:t>
+            </a:r>
+            <a:r>
+              <a:rPr lang="en-US" altLang="zh-TW" dirty="0"/>
+              <a:t>:</a:t>
+            </a:r>
+            <a:r>
+              <a:rPr lang="zh-TW" altLang="en-US" dirty="0"/>
+              <a:t> 若給出的源檔案是一個目錄檔案，此時將複製該目錄下所有的子目錄和檔案</a:t>
+            </a:r>
+            <a:endParaRPr lang="en-US" altLang="zh-TW" dirty="0"/>
+          </a:p>
+          <a:p>
+            <a:r>
+              <a:rPr lang="en-US" altLang="zh-TW" dirty="0" err="1"/>
+              <a:t>mkdir</a:t>
+            </a:r>
+            <a:r>
+              <a:rPr lang="en-US" altLang="zh-TW" dirty="0"/>
+              <a:t>:</a:t>
+            </a:r>
+            <a:r>
+              <a:rPr lang="zh-TW" altLang="en-US" dirty="0"/>
+              <a:t> 即英文“</a:t>
+            </a:r>
+            <a:r>
+              <a:rPr lang="en-US" altLang="zh-TW" dirty="0"/>
+              <a:t>make directory” </a:t>
+            </a:r>
+            <a:r>
+              <a:rPr lang="zh-TW" altLang="en-US" dirty="0"/>
+              <a:t>的簡寫，是在檔案系統建立目錄的</a:t>
+            </a:r>
+            <a:r>
+              <a:rPr lang="zh-TW" altLang="en-US" b="1" dirty="0"/>
+              <a:t>指令</a:t>
+            </a:r>
+            <a:endParaRPr lang="en-US" altLang="zh-TW" b="1" dirty="0"/>
+          </a:p>
+          <a:p>
+            <a:r>
+              <a:rPr lang="en-US" altLang="zh-TW" dirty="0"/>
+              <a:t>ls:</a:t>
+            </a:r>
+            <a:r>
+              <a:rPr lang="zh-TW" altLang="en-US" dirty="0"/>
+              <a:t> 列出目前目錄中的檔案與目錄列表，為最常被使用的指令之一</a:t>
+            </a:r>
+          </a:p>
+        </p:txBody>
+      </p:sp>
+    </p:spTree>
+  </p:cSld>
+  <p:clrMapOvr>
+    <a:masterClrMapping/>
+  </p:clrMapOvr>
+</p:sld>
+</file>
+
+<file path=ppt/slides/slide7.xml><?xml version="1.0" encoding="utf-8"?>
+<p:sld xmlns:a="http://schemas.openxmlformats.org/drawingml/2006/main" xmlns:r="http://schemas.openxmlformats.org/officeDocument/2006/relationships" xmlns:p="http://schemas.openxmlformats.org/presentationml/2006/main">
+  <p:cSld>
+    <p:spTree>
+      <p:nvGrpSpPr>
+        <p:cNvPr id="1" name=""/>
+        <p:cNvGrpSpPr/>
+        <p:nvPr/>
+      </p:nvGrpSpPr>
+      <p:grpSpPr>
+        <a:xfrm>
+          <a:off x="0" y="0"/>
+          <a:ext cx="0" cy="0"/>
+          <a:chOff x="0" y="0"/>
+          <a:chExt cx="0" cy="0"/>
+        </a:xfrm>
+      </p:grpSpPr>
+      <p:sp>
+        <p:nvSpPr>
+          <p:cNvPr id="2" name="標題 1"/>
+          <p:cNvSpPr>
+            <a:spLocks noGrp="1"/>
+          </p:cNvSpPr>
+          <p:nvPr>
+            <p:ph type="title"/>
+          </p:nvPr>
+        </p:nvSpPr>
+        <p:spPr/>
+        <p:txBody>
+          <a:bodyPr anchor="ctr" anchorCtr="1"/>
+          <a:lstStyle/>
+          <a:p>
+            <a:r>
+              <a:rPr lang="zh-TW" altLang="en-US" dirty="0"/>
+              <a:t>動腦時間</a:t>
+            </a:r>
+          </a:p>
+        </p:txBody>
+      </p:sp>
+      <p:sp>
+        <p:nvSpPr>
+          <p:cNvPr id="3" name="內容版面配置區 2"/>
+          <p:cNvSpPr>
+            <a:spLocks noGrp="1"/>
+          </p:cNvSpPr>
+          <p:nvPr>
+            <p:ph idx="1"/>
+          </p:nvPr>
+        </p:nvSpPr>
+        <p:spPr/>
+        <p:txBody>
+          <a:bodyPr/>
+          <a:lstStyle/>
+          <a:p>
+            <a:r>
+              <a:rPr lang="zh-TW" altLang="en-US" dirty="0"/>
               <a:t>想想看，在</a:t>
             </a:r>
             <a:r>
-              <a:rPr lang="en-US" altLang="zh-TW" dirty="0" err="1" smtClean="0"/>
+              <a:rPr lang="en-US" altLang="zh-TW" dirty="0" err="1"/>
               <a:t>Colab</a:t>
             </a:r>
             <a:r>
-              <a:rPr lang="zh-TW" altLang="en-US" dirty="0" smtClean="0"/>
+              <a:rPr lang="zh-TW" altLang="en-US" dirty="0"/>
               <a:t>的機器學習中是如何運用這些指令的呢</a:t>
             </a:r>
             <a:r>
-              <a:rPr lang="en-US" altLang="zh-TW" dirty="0" smtClean="0"/>
+              <a:rPr lang="en-US" altLang="zh-TW" dirty="0"/>
               <a:t>?</a:t>
             </a:r>
             <a:endParaRPr lang="zh-TW" altLang="en-US" dirty="0"/>
@@ -8798,22 +8733,10 @@
         </p:spPr>
       </p:pic>
     </p:spTree>
-    <p:extLst>
-      <p:ext uri="{BB962C8B-B14F-4D97-AF65-F5344CB8AC3E}">
-        <p14:creationId xmlns:p14="http://schemas.microsoft.com/office/powerpoint/2010/main" val="2926278879"/>
-      </p:ext>
-    </p:extLst>
   </p:cSld>
   <p:clrMapOvr>
     <a:masterClrMapping/>
   </p:clrMapOvr>
-  <p:timing>
-    <p:tnLst>
-      <p:par>
-        <p:cTn id="1" dur="indefinite" restart="never" nodeType="tmRoot"/>
-      </p:par>
-    </p:tnLst>
-  </p:timing>
 </p:sld>
 </file>
 
@@ -8860,7 +8783,7 @@
     </a:clrScheme>
     <a:fontScheme name="多面向">
       <a:majorFont>
-        <a:latin typeface="Trebuchet MS" panose="020B0603020202020204"/>
+        <a:latin typeface="Trebuchet MS"/>
         <a:ea typeface=""/>
         <a:cs typeface=""/>
         <a:font script="Jpan" typeface="メイリオ"/>
@@ -8895,7 +8818,7 @@
         <a:font script="Geor" typeface="Sylfaen"/>
       </a:majorFont>
       <a:minorFont>
-        <a:latin typeface="Trebuchet MS" panose="020B0603020202020204"/>
+        <a:latin typeface="Trebuchet MS"/>
         <a:ea typeface=""/>
         <a:cs typeface=""/>
         <a:font script="Jpan" typeface="メイリオ"/>
@@ -9068,7 +8991,7 @@
   <a:extraClrSchemeLst/>
   <a:extLst>
     <a:ext uri="{05A4C25C-085E-4340-85A3-A5531E510DB2}">
-      <thm15:themeFamily xmlns:thm15="http://schemas.microsoft.com/office/thememl/2012/main" name="Facet" id="{C0C680CD-088A-49FC-A102-D699147F32B2}" vid="{CFBC31BA-B70F-4F30-BCAA-4F3011E16C4D}"/>
+      <thm15:themeFamily xmlns:thm15="http://schemas.microsoft.com/office/thememl/2012/main" name="Office Theme" id="{62F939B6-93AF-4DB8-9C6B-D6C7DFDC589F}" vid="{4A3C46E8-61CC-4603-A589-7422A47A8E4A}"/>
     </a:ext>
   </a:extLst>
 </a:theme>
@@ -9117,7 +9040,7 @@
     </a:clrScheme>
     <a:fontScheme name="Office">
       <a:majorFont>
-        <a:latin typeface="Calibri Light" panose="020F0302020204030204"/>
+        <a:latin typeface="Calibri Light"/>
         <a:ea typeface=""/>
         <a:cs typeface=""/>
         <a:font script="Jpan" typeface="ＭＳ Ｐゴシック"/>
@@ -9152,7 +9075,7 @@
         <a:font script="Geor" typeface="Sylfaen"/>
       </a:majorFont>
       <a:minorFont>
-        <a:latin typeface="Calibri" panose="020F0502020204030204"/>
+        <a:latin typeface="Calibri"/>
         <a:ea typeface=""/>
         <a:cs typeface=""/>
         <a:font script="Jpan" typeface="ＭＳ Ｐゴシック"/>
